--- a/Predicting Voters and Non-voters.pptx
+++ b/Predicting Voters and Non-voters.pptx
@@ -2,7 +2,7 @@
 <file path=ppt/presentation.xml><?xml version="1.0" encoding="utf-8"?>
 <p:presentation xmlns:a="http://schemas.openxmlformats.org/drawingml/2006/main" xmlns:r="http://schemas.openxmlformats.org/officeDocument/2006/relationships" xmlns:p="http://schemas.openxmlformats.org/presentationml/2006/main" firstSlideNum="0" saveSubsetFonts="1" autoCompressPictures="0">
   <p:sldMasterIdLst>
-    <p:sldMasterId id="2147483678" r:id="rId1"/>
+    <p:sldMasterId id="2147483750" r:id="rId1"/>
   </p:sldMasterIdLst>
   <p:notesMasterIdLst>
     <p:notesMasterId r:id="rId22"/>
@@ -216,7 +216,7 @@
           <a:p>
             <a:fld id="{423A5905-D40F-A24E-97A0-2FD98AD48FAD}" type="datetimeFigureOut">
               <a:rPr lang="en-US" smtClean="0"/>
-              <a:t>11/4/20</a:t>
+              <a:t>11/6/20</a:t>
             </a:fld>
             <a:endParaRPr lang="en-US"/>
           </a:p>
@@ -617,7 +617,7 @@
           <a:noFill/>
           <a:extLst>
             <a:ext uri="{909E8E84-426E-40dd-AFC4-6F175D3DCCD1}">
-              <a14:hiddenFill xmlns="" xmlns:a14="http://schemas.microsoft.com/office/drawing/2010/main">
+              <a14:hiddenFill xmlns:a14="http://schemas.microsoft.com/office/drawing/2010/main" xmlns="">
                 <a:solidFill>
                   <a:srgbClr val="FFFFFF"/>
                 </a:solidFill>
@@ -677,7 +677,7 @@
             </a:ln>
             <a:extLst>
               <a:ext uri="{91240B29-F687-4f45-9708-019B960494DF}">
-                <a14:hiddenLine xmlns="" xmlns:a14="http://schemas.microsoft.com/office/drawing/2010/main" w="9525">
+                <a14:hiddenLine xmlns:a14="http://schemas.microsoft.com/office/drawing/2010/main" xmlns="" w="9525">
                   <a:solidFill>
                     <a:srgbClr val="000000"/>
                   </a:solidFill>
@@ -767,7 +767,7 @@
             </a:ln>
             <a:extLst>
               <a:ext uri="{91240B29-F687-4f45-9708-019B960494DF}">
-                <a14:hiddenLine xmlns="" xmlns:a14="http://schemas.microsoft.com/office/drawing/2010/main" w="9525">
+                <a14:hiddenLine xmlns:a14="http://schemas.microsoft.com/office/drawing/2010/main" xmlns="" w="9525">
                   <a:solidFill>
                     <a:srgbClr val="000000"/>
                   </a:solidFill>
@@ -857,7 +857,7 @@
             </a:ln>
             <a:extLst>
               <a:ext uri="{91240B29-F687-4f45-9708-019B960494DF}">
-                <a14:hiddenLine xmlns="" xmlns:a14="http://schemas.microsoft.com/office/drawing/2010/main" w="9525">
+                <a14:hiddenLine xmlns:a14="http://schemas.microsoft.com/office/drawing/2010/main" xmlns="" w="9525">
                   <a:solidFill>
                     <a:srgbClr val="000000"/>
                   </a:solidFill>
@@ -891,7 +891,7 @@
             </a:ln>
             <a:extLst>
               <a:ext uri="{91240B29-F687-4f45-9708-019B960494DF}">
-                <a14:hiddenLine xmlns="" xmlns:a14="http://schemas.microsoft.com/office/drawing/2010/main" w="9525">
+                <a14:hiddenLine xmlns:a14="http://schemas.microsoft.com/office/drawing/2010/main" xmlns="" w="9525">
                   <a:solidFill>
                     <a:srgbClr val="000000"/>
                   </a:solidFill>
@@ -981,7 +981,7 @@
             </a:ln>
             <a:extLst>
               <a:ext uri="{91240B29-F687-4f45-9708-019B960494DF}">
-                <a14:hiddenLine xmlns="" xmlns:a14="http://schemas.microsoft.com/office/drawing/2010/main" w="9525">
+                <a14:hiddenLine xmlns:a14="http://schemas.microsoft.com/office/drawing/2010/main" xmlns="" w="9525">
                   <a:solidFill>
                     <a:srgbClr val="000000"/>
                   </a:solidFill>
@@ -1043,7 +1043,7 @@
             </a:ln>
             <a:extLst>
               <a:ext uri="{91240B29-F687-4f45-9708-019B960494DF}">
-                <a14:hiddenLine xmlns="" xmlns:a14="http://schemas.microsoft.com/office/drawing/2010/main" w="9525">
+                <a14:hiddenLine xmlns:a14="http://schemas.microsoft.com/office/drawing/2010/main" xmlns="" w="9525">
                   <a:solidFill>
                     <a:srgbClr val="000000"/>
                   </a:solidFill>
@@ -1105,7 +1105,7 @@
             </a:ln>
             <a:extLst>
               <a:ext uri="{91240B29-F687-4f45-9708-019B960494DF}">
-                <a14:hiddenLine xmlns="" xmlns:a14="http://schemas.microsoft.com/office/drawing/2010/main" w="9525">
+                <a14:hiddenLine xmlns:a14="http://schemas.microsoft.com/office/drawing/2010/main" xmlns="" w="9525">
                   <a:solidFill>
                     <a:srgbClr val="000000"/>
                   </a:solidFill>
@@ -1195,7 +1195,7 @@
             </a:ln>
             <a:extLst>
               <a:ext uri="{91240B29-F687-4f45-9708-019B960494DF}">
-                <a14:hiddenLine xmlns="" xmlns:a14="http://schemas.microsoft.com/office/drawing/2010/main" w="9525">
+                <a14:hiddenLine xmlns:a14="http://schemas.microsoft.com/office/drawing/2010/main" xmlns="" w="9525">
                   <a:solidFill>
                     <a:srgbClr val="000000"/>
                   </a:solidFill>
@@ -1257,7 +1257,7 @@
             </a:ln>
             <a:extLst>
               <a:ext uri="{91240B29-F687-4f45-9708-019B960494DF}">
-                <a14:hiddenLine xmlns="" xmlns:a14="http://schemas.microsoft.com/office/drawing/2010/main" w="9525">
+                <a14:hiddenLine xmlns:a14="http://schemas.microsoft.com/office/drawing/2010/main" xmlns="" w="9525">
                   <a:solidFill>
                     <a:srgbClr val="000000"/>
                   </a:solidFill>
@@ -1319,7 +1319,7 @@
             </a:ln>
             <a:extLst>
               <a:ext uri="{91240B29-F687-4f45-9708-019B960494DF}">
-                <a14:hiddenLine xmlns="" xmlns:a14="http://schemas.microsoft.com/office/drawing/2010/main" w="9525">
+                <a14:hiddenLine xmlns:a14="http://schemas.microsoft.com/office/drawing/2010/main" xmlns="" w="9525">
                   <a:solidFill>
                     <a:srgbClr val="000000"/>
                   </a:solidFill>
@@ -1409,7 +1409,7 @@
             </a:ln>
             <a:extLst>
               <a:ext uri="{91240B29-F687-4f45-9708-019B960494DF}">
-                <a14:hiddenLine xmlns="" xmlns:a14="http://schemas.microsoft.com/office/drawing/2010/main" w="9525">
+                <a14:hiddenLine xmlns:a14="http://schemas.microsoft.com/office/drawing/2010/main" xmlns="" w="9525">
                   <a:solidFill>
                     <a:srgbClr val="000000"/>
                   </a:solidFill>
@@ -1499,7 +1499,7 @@
             </a:ln>
             <a:extLst>
               <a:ext uri="{91240B29-F687-4f45-9708-019B960494DF}">
-                <a14:hiddenLine xmlns="" xmlns:a14="http://schemas.microsoft.com/office/drawing/2010/main" w="9525">
+                <a14:hiddenLine xmlns:a14="http://schemas.microsoft.com/office/drawing/2010/main" xmlns="" w="9525">
                   <a:solidFill>
                     <a:srgbClr val="000000"/>
                   </a:solidFill>
@@ -1561,7 +1561,7 @@
             </a:ln>
             <a:extLst>
               <a:ext uri="{91240B29-F687-4f45-9708-019B960494DF}">
-                <a14:hiddenLine xmlns="" xmlns:a14="http://schemas.microsoft.com/office/drawing/2010/main" w="9525">
+                <a14:hiddenLine xmlns:a14="http://schemas.microsoft.com/office/drawing/2010/main" xmlns="" w="9525">
                   <a:solidFill>
                     <a:srgbClr val="000000"/>
                   </a:solidFill>
@@ -1671,7 +1671,7 @@
             </a:ln>
             <a:extLst>
               <a:ext uri="{91240B29-F687-4f45-9708-019B960494DF}">
-                <a14:hiddenLine xmlns="" xmlns:a14="http://schemas.microsoft.com/office/drawing/2010/main" w="9525">
+                <a14:hiddenLine xmlns:a14="http://schemas.microsoft.com/office/drawing/2010/main" xmlns="" w="9525">
                   <a:solidFill>
                     <a:srgbClr val="000000"/>
                   </a:solidFill>
@@ -1733,7 +1733,7 @@
             </a:ln>
             <a:extLst>
               <a:ext uri="{91240B29-F687-4f45-9708-019B960494DF}">
-                <a14:hiddenLine xmlns="" xmlns:a14="http://schemas.microsoft.com/office/drawing/2010/main" w="9525">
+                <a14:hiddenLine xmlns:a14="http://schemas.microsoft.com/office/drawing/2010/main" xmlns="" w="9525">
                   <a:solidFill>
                     <a:srgbClr val="000000"/>
                   </a:solidFill>
@@ -1823,7 +1823,7 @@
             </a:ln>
             <a:extLst>
               <a:ext uri="{91240B29-F687-4f45-9708-019B960494DF}">
-                <a14:hiddenLine xmlns="" xmlns:a14="http://schemas.microsoft.com/office/drawing/2010/main" w="9525">
+                <a14:hiddenLine xmlns:a14="http://schemas.microsoft.com/office/drawing/2010/main" xmlns="" w="9525">
                   <a:solidFill>
                     <a:srgbClr val="000000"/>
                   </a:solidFill>
@@ -1913,7 +1913,7 @@
             </a:ln>
             <a:extLst>
               <a:ext uri="{91240B29-F687-4f45-9708-019B960494DF}">
-                <a14:hiddenLine xmlns="" xmlns:a14="http://schemas.microsoft.com/office/drawing/2010/main" w="9525">
+                <a14:hiddenLine xmlns:a14="http://schemas.microsoft.com/office/drawing/2010/main" xmlns="" w="9525">
                   <a:solidFill>
                     <a:srgbClr val="000000"/>
                   </a:solidFill>
@@ -1975,7 +1975,7 @@
             </a:ln>
             <a:extLst>
               <a:ext uri="{91240B29-F687-4f45-9708-019B960494DF}">
-                <a14:hiddenLine xmlns="" xmlns:a14="http://schemas.microsoft.com/office/drawing/2010/main" w="9525">
+                <a14:hiddenLine xmlns:a14="http://schemas.microsoft.com/office/drawing/2010/main" xmlns="" w="9525">
                   <a:solidFill>
                     <a:srgbClr val="000000"/>
                   </a:solidFill>
@@ -2065,7 +2065,7 @@
             </a:ln>
             <a:extLst>
               <a:ext uri="{91240B29-F687-4f45-9708-019B960494DF}">
-                <a14:hiddenLine xmlns="" xmlns:a14="http://schemas.microsoft.com/office/drawing/2010/main" w="9525">
+                <a14:hiddenLine xmlns:a14="http://schemas.microsoft.com/office/drawing/2010/main" xmlns="" w="9525">
                   <a:solidFill>
                     <a:srgbClr val="000000"/>
                   </a:solidFill>
@@ -2155,7 +2155,7 @@
             </a:ln>
             <a:extLst>
               <a:ext uri="{91240B29-F687-4f45-9708-019B960494DF}">
-                <a14:hiddenLine xmlns="" xmlns:a14="http://schemas.microsoft.com/office/drawing/2010/main" w="9525">
+                <a14:hiddenLine xmlns:a14="http://schemas.microsoft.com/office/drawing/2010/main" xmlns="" w="9525">
                   <a:solidFill>
                     <a:srgbClr val="000000"/>
                   </a:solidFill>
@@ -2211,7 +2211,7 @@
             </a:ln>
             <a:extLst>
               <a:ext uri="{91240B29-F687-4f45-9708-019B960494DF}">
-                <a14:hiddenLine xmlns="" xmlns:a14="http://schemas.microsoft.com/office/drawing/2010/main" w="9525">
+                <a14:hiddenLine xmlns:a14="http://schemas.microsoft.com/office/drawing/2010/main" xmlns="" w="9525">
                   <a:solidFill>
                     <a:srgbClr val="000000"/>
                   </a:solidFill>
@@ -2301,7 +2301,7 @@
             </a:ln>
             <a:extLst>
               <a:ext uri="{91240B29-F687-4f45-9708-019B960494DF}">
-                <a14:hiddenLine xmlns="" xmlns:a14="http://schemas.microsoft.com/office/drawing/2010/main" w="9525">
+                <a14:hiddenLine xmlns:a14="http://schemas.microsoft.com/office/drawing/2010/main" xmlns="" w="9525">
                   <a:solidFill>
                     <a:srgbClr val="000000"/>
                   </a:solidFill>
@@ -2357,7 +2357,7 @@
             </a:ln>
             <a:extLst>
               <a:ext uri="{91240B29-F687-4f45-9708-019B960494DF}">
-                <a14:hiddenLine xmlns="" xmlns:a14="http://schemas.microsoft.com/office/drawing/2010/main" w="9525">
+                <a14:hiddenLine xmlns:a14="http://schemas.microsoft.com/office/drawing/2010/main" xmlns="" w="9525">
                   <a:solidFill>
                     <a:srgbClr val="000000"/>
                   </a:solidFill>
@@ -2447,7 +2447,7 @@
             </a:ln>
             <a:extLst>
               <a:ext uri="{91240B29-F687-4f45-9708-019B960494DF}">
-                <a14:hiddenLine xmlns="" xmlns:a14="http://schemas.microsoft.com/office/drawing/2010/main" w="9525">
+                <a14:hiddenLine xmlns:a14="http://schemas.microsoft.com/office/drawing/2010/main" xmlns="" w="9525">
                   <a:solidFill>
                     <a:srgbClr val="000000"/>
                   </a:solidFill>
@@ -2515,7 +2515,7 @@
             </a:ln>
             <a:extLst>
               <a:ext uri="{91240B29-F687-4f45-9708-019B960494DF}">
-                <a14:hiddenLine xmlns="" xmlns:a14="http://schemas.microsoft.com/office/drawing/2010/main" w="9525">
+                <a14:hiddenLine xmlns:a14="http://schemas.microsoft.com/office/drawing/2010/main" xmlns="" w="9525">
                   <a:solidFill>
                     <a:srgbClr val="000000"/>
                   </a:solidFill>
@@ -2605,7 +2605,7 @@
             </a:ln>
             <a:extLst>
               <a:ext uri="{91240B29-F687-4f45-9708-019B960494DF}">
-                <a14:hiddenLine xmlns="" xmlns:a14="http://schemas.microsoft.com/office/drawing/2010/main" w="9525">
+                <a14:hiddenLine xmlns:a14="http://schemas.microsoft.com/office/drawing/2010/main" xmlns="" w="9525">
                   <a:solidFill>
                     <a:srgbClr val="000000"/>
                   </a:solidFill>
@@ -2673,7 +2673,7 @@
             </a:ln>
             <a:extLst>
               <a:ext uri="{91240B29-F687-4f45-9708-019B960494DF}">
-                <a14:hiddenLine xmlns="" xmlns:a14="http://schemas.microsoft.com/office/drawing/2010/main" w="9525">
+                <a14:hiddenLine xmlns:a14="http://schemas.microsoft.com/office/drawing/2010/main" xmlns="" w="9525">
                   <a:solidFill>
                     <a:srgbClr val="000000"/>
                   </a:solidFill>
@@ -2763,7 +2763,7 @@
             </a:ln>
             <a:extLst>
               <a:ext uri="{91240B29-F687-4f45-9708-019B960494DF}">
-                <a14:hiddenLine xmlns="" xmlns:a14="http://schemas.microsoft.com/office/drawing/2010/main" w="9525">
+                <a14:hiddenLine xmlns:a14="http://schemas.microsoft.com/office/drawing/2010/main" xmlns="" w="9525">
                   <a:solidFill>
                     <a:srgbClr val="000000"/>
                   </a:solidFill>
@@ -2797,7 +2797,7 @@
             </a:ln>
             <a:extLst>
               <a:ext uri="{91240B29-F687-4f45-9708-019B960494DF}">
-                <a14:hiddenLine xmlns="" xmlns:a14="http://schemas.microsoft.com/office/drawing/2010/main" w="9525">
+                <a14:hiddenLine xmlns:a14="http://schemas.microsoft.com/office/drawing/2010/main" xmlns="" w="9525">
                   <a:solidFill>
                     <a:srgbClr val="000000"/>
                   </a:solidFill>
@@ -2887,7 +2887,7 @@
             </a:ln>
             <a:extLst>
               <a:ext uri="{91240B29-F687-4f45-9708-019B960494DF}">
-                <a14:hiddenLine xmlns="" xmlns:a14="http://schemas.microsoft.com/office/drawing/2010/main" w="9525">
+                <a14:hiddenLine xmlns:a14="http://schemas.microsoft.com/office/drawing/2010/main" xmlns="" w="9525">
                   <a:solidFill>
                     <a:srgbClr val="000000"/>
                   </a:solidFill>
@@ -2949,7 +2949,7 @@
             </a:ln>
             <a:extLst>
               <a:ext uri="{91240B29-F687-4f45-9708-019B960494DF}">
-                <a14:hiddenLine xmlns="" xmlns:a14="http://schemas.microsoft.com/office/drawing/2010/main" w="9525">
+                <a14:hiddenLine xmlns:a14="http://schemas.microsoft.com/office/drawing/2010/main" xmlns="" w="9525">
                   <a:solidFill>
                     <a:srgbClr val="000000"/>
                   </a:solidFill>
@@ -3011,7 +3011,7 @@
             </a:ln>
             <a:extLst>
               <a:ext uri="{91240B29-F687-4f45-9708-019B960494DF}">
-                <a14:hiddenLine xmlns="" xmlns:a14="http://schemas.microsoft.com/office/drawing/2010/main" w="9525">
+                <a14:hiddenLine xmlns:a14="http://schemas.microsoft.com/office/drawing/2010/main" xmlns="" w="9525">
                   <a:solidFill>
                     <a:srgbClr val="000000"/>
                   </a:solidFill>
@@ -3101,7 +3101,7 @@
             </a:ln>
             <a:extLst>
               <a:ext uri="{91240B29-F687-4f45-9708-019B960494DF}">
-                <a14:hiddenLine xmlns="" xmlns:a14="http://schemas.microsoft.com/office/drawing/2010/main" w="9525">
+                <a14:hiddenLine xmlns:a14="http://schemas.microsoft.com/office/drawing/2010/main" xmlns="" w="9525">
                   <a:solidFill>
                     <a:srgbClr val="000000"/>
                   </a:solidFill>
@@ -3169,7 +3169,7 @@
             </a:ln>
             <a:extLst>
               <a:ext uri="{91240B29-F687-4f45-9708-019B960494DF}">
-                <a14:hiddenLine xmlns="" xmlns:a14="http://schemas.microsoft.com/office/drawing/2010/main" w="9525">
+                <a14:hiddenLine xmlns:a14="http://schemas.microsoft.com/office/drawing/2010/main" xmlns="" w="9525">
                   <a:solidFill>
                     <a:srgbClr val="000000"/>
                   </a:solidFill>
@@ -3231,7 +3231,7 @@
             </a:ln>
             <a:extLst>
               <a:ext uri="{91240B29-F687-4f45-9708-019B960494DF}">
-                <a14:hiddenLine xmlns="" xmlns:a14="http://schemas.microsoft.com/office/drawing/2010/main" w="9525">
+                <a14:hiddenLine xmlns:a14="http://schemas.microsoft.com/office/drawing/2010/main" xmlns="" w="9525">
                   <a:solidFill>
                     <a:srgbClr val="000000"/>
                   </a:solidFill>
@@ -3321,7 +3321,7 @@
             </a:ln>
             <a:extLst>
               <a:ext uri="{91240B29-F687-4f45-9708-019B960494DF}">
-                <a14:hiddenLine xmlns="" xmlns:a14="http://schemas.microsoft.com/office/drawing/2010/main" w="9525">
+                <a14:hiddenLine xmlns:a14="http://schemas.microsoft.com/office/drawing/2010/main" xmlns="" w="9525">
                   <a:solidFill>
                     <a:srgbClr val="000000"/>
                   </a:solidFill>
@@ -3383,7 +3383,7 @@
             </a:ln>
             <a:extLst>
               <a:ext uri="{91240B29-F687-4f45-9708-019B960494DF}">
-                <a14:hiddenLine xmlns="" xmlns:a14="http://schemas.microsoft.com/office/drawing/2010/main" w="9525">
+                <a14:hiddenLine xmlns:a14="http://schemas.microsoft.com/office/drawing/2010/main" xmlns="" w="9525">
                   <a:solidFill>
                     <a:srgbClr val="000000"/>
                   </a:solidFill>
@@ -3473,7 +3473,7 @@
             </a:ln>
             <a:extLst>
               <a:ext uri="{91240B29-F687-4f45-9708-019B960494DF}">
-                <a14:hiddenLine xmlns="" xmlns:a14="http://schemas.microsoft.com/office/drawing/2010/main" w="9525">
+                <a14:hiddenLine xmlns:a14="http://schemas.microsoft.com/office/drawing/2010/main" xmlns="" w="9525">
                   <a:solidFill>
                     <a:srgbClr val="000000"/>
                   </a:solidFill>
@@ -3535,7 +3535,7 @@
             </a:ln>
             <a:extLst>
               <a:ext uri="{91240B29-F687-4f45-9708-019B960494DF}">
-                <a14:hiddenLine xmlns="" xmlns:a14="http://schemas.microsoft.com/office/drawing/2010/main" w="9525">
+                <a14:hiddenLine xmlns:a14="http://schemas.microsoft.com/office/drawing/2010/main" xmlns="" w="9525">
                   <a:solidFill>
                     <a:srgbClr val="000000"/>
                   </a:solidFill>
@@ -3625,7 +3625,7 @@
             </a:ln>
             <a:extLst>
               <a:ext uri="{91240B29-F687-4f45-9708-019B960494DF}">
-                <a14:hiddenLine xmlns="" xmlns:a14="http://schemas.microsoft.com/office/drawing/2010/main" w="9525">
+                <a14:hiddenLine xmlns:a14="http://schemas.microsoft.com/office/drawing/2010/main" xmlns="" w="9525">
                   <a:solidFill>
                     <a:srgbClr val="000000"/>
                   </a:solidFill>
@@ -3659,7 +3659,7 @@
             </a:ln>
             <a:extLst>
               <a:ext uri="{91240B29-F687-4f45-9708-019B960494DF}">
-                <a14:hiddenLine xmlns="" xmlns:a14="http://schemas.microsoft.com/office/drawing/2010/main" w="9525">
+                <a14:hiddenLine xmlns:a14="http://schemas.microsoft.com/office/drawing/2010/main" xmlns="" w="9525">
                   <a:solidFill>
                     <a:srgbClr val="000000"/>
                   </a:solidFill>
@@ -3724,7 +3724,7 @@
             </a:ln>
             <a:extLst>
               <a:ext uri="{91240B29-F687-4f45-9708-019B960494DF}">
-                <a14:hiddenLine xmlns="" xmlns:a14="http://schemas.microsoft.com/office/drawing/2010/main" w="9525">
+                <a14:hiddenLine xmlns:a14="http://schemas.microsoft.com/office/drawing/2010/main" xmlns="" w="9525">
                   <a:solidFill>
                     <a:srgbClr val="000000"/>
                   </a:solidFill>
@@ -3814,7 +3814,7 @@
             </a:ln>
             <a:extLst>
               <a:ext uri="{91240B29-F687-4f45-9708-019B960494DF}">
-                <a14:hiddenLine xmlns="" xmlns:a14="http://schemas.microsoft.com/office/drawing/2010/main" w="9525">
+                <a14:hiddenLine xmlns:a14="http://schemas.microsoft.com/office/drawing/2010/main" xmlns="" w="9525">
                   <a:solidFill>
                     <a:srgbClr val="000000"/>
                   </a:solidFill>
@@ -3876,7 +3876,7 @@
             </a:ln>
             <a:extLst>
               <a:ext uri="{91240B29-F687-4f45-9708-019B960494DF}">
-                <a14:hiddenLine xmlns="" xmlns:a14="http://schemas.microsoft.com/office/drawing/2010/main" w="9525">
+                <a14:hiddenLine xmlns:a14="http://schemas.microsoft.com/office/drawing/2010/main" xmlns="" w="9525">
                   <a:solidFill>
                     <a:srgbClr val="000000"/>
                   </a:solidFill>
@@ -3966,7 +3966,7 @@
             </a:ln>
             <a:extLst>
               <a:ext uri="{91240B29-F687-4f45-9708-019B960494DF}">
-                <a14:hiddenLine xmlns="" xmlns:a14="http://schemas.microsoft.com/office/drawing/2010/main" w="9525">
+                <a14:hiddenLine xmlns:a14="http://schemas.microsoft.com/office/drawing/2010/main" xmlns="" w="9525">
                   <a:solidFill>
                     <a:srgbClr val="000000"/>
                   </a:solidFill>
@@ -4056,7 +4056,7 @@
             </a:ln>
             <a:extLst>
               <a:ext uri="{91240B29-F687-4f45-9708-019B960494DF}">
-                <a14:hiddenLine xmlns="" xmlns:a14="http://schemas.microsoft.com/office/drawing/2010/main" w="9525">
+                <a14:hiddenLine xmlns:a14="http://schemas.microsoft.com/office/drawing/2010/main" xmlns="" w="9525">
                   <a:solidFill>
                     <a:srgbClr val="000000"/>
                   </a:solidFill>
@@ -4121,7 +4121,7 @@
             </a:ln>
             <a:extLst>
               <a:ext uri="{91240B29-F687-4f45-9708-019B960494DF}">
-                <a14:hiddenLine xmlns="" xmlns:a14="http://schemas.microsoft.com/office/drawing/2010/main" w="9525">
+                <a14:hiddenLine xmlns:a14="http://schemas.microsoft.com/office/drawing/2010/main" xmlns="" w="9525">
                   <a:solidFill>
                     <a:srgbClr val="000000"/>
                   </a:solidFill>
@@ -4183,7 +4183,7 @@
             </a:ln>
             <a:extLst>
               <a:ext uri="{91240B29-F687-4f45-9708-019B960494DF}">
-                <a14:hiddenLine xmlns="" xmlns:a14="http://schemas.microsoft.com/office/drawing/2010/main" w="9525">
+                <a14:hiddenLine xmlns:a14="http://schemas.microsoft.com/office/drawing/2010/main" xmlns="" w="9525">
                   <a:solidFill>
                     <a:srgbClr val="000000"/>
                   </a:solidFill>
@@ -4273,7 +4273,7 @@
             </a:ln>
             <a:extLst>
               <a:ext uri="{91240B29-F687-4f45-9708-019B960494DF}">
-                <a14:hiddenLine xmlns="" xmlns:a14="http://schemas.microsoft.com/office/drawing/2010/main" w="9525">
+                <a14:hiddenLine xmlns:a14="http://schemas.microsoft.com/office/drawing/2010/main" xmlns="" w="9525">
                   <a:solidFill>
                     <a:srgbClr val="000000"/>
                   </a:solidFill>
@@ -4363,7 +4363,7 @@
             </a:ln>
             <a:extLst>
               <a:ext uri="{91240B29-F687-4f45-9708-019B960494DF}">
-                <a14:hiddenLine xmlns="" xmlns:a14="http://schemas.microsoft.com/office/drawing/2010/main" w="9525">
+                <a14:hiddenLine xmlns:a14="http://schemas.microsoft.com/office/drawing/2010/main" xmlns="" w="9525">
                   <a:solidFill>
                     <a:srgbClr val="000000"/>
                   </a:solidFill>
@@ -4425,7 +4425,7 @@
             </a:ln>
             <a:extLst>
               <a:ext uri="{91240B29-F687-4f45-9708-019B960494DF}">
-                <a14:hiddenLine xmlns="" xmlns:a14="http://schemas.microsoft.com/office/drawing/2010/main" w="9525">
+                <a14:hiddenLine xmlns:a14="http://schemas.microsoft.com/office/drawing/2010/main" xmlns="" w="9525">
                   <a:solidFill>
                     <a:srgbClr val="000000"/>
                   </a:solidFill>
@@ -4545,7 +4545,7 @@
             </a:ln>
             <a:extLst>
               <a:ext uri="{91240B29-F687-4f45-9708-019B960494DF}">
-                <a14:hiddenLine xmlns="" xmlns:a14="http://schemas.microsoft.com/office/drawing/2010/main" w="9525">
+                <a14:hiddenLine xmlns:a14="http://schemas.microsoft.com/office/drawing/2010/main" xmlns="" w="9525">
                   <a:solidFill>
                     <a:srgbClr val="000000"/>
                   </a:solidFill>
@@ -4613,7 +4613,7 @@
             </a:ln>
             <a:extLst>
               <a:ext uri="{91240B29-F687-4f45-9708-019B960494DF}">
-                <a14:hiddenLine xmlns="" xmlns:a14="http://schemas.microsoft.com/office/drawing/2010/main" w="9525">
+                <a14:hiddenLine xmlns:a14="http://schemas.microsoft.com/office/drawing/2010/main" xmlns="" w="9525">
                   <a:solidFill>
                     <a:srgbClr val="000000"/>
                   </a:solidFill>
@@ -4703,7 +4703,7 @@
             </a:ln>
             <a:extLst>
               <a:ext uri="{91240B29-F687-4f45-9708-019B960494DF}">
-                <a14:hiddenLine xmlns="" xmlns:a14="http://schemas.microsoft.com/office/drawing/2010/main" w="9525">
+                <a14:hiddenLine xmlns:a14="http://schemas.microsoft.com/office/drawing/2010/main" xmlns="" w="9525">
                   <a:solidFill>
                     <a:srgbClr val="000000"/>
                   </a:solidFill>
@@ -4843,7 +4843,7 @@
           <a:p>
             <a:fld id="{AEA63346-1790-0540-9F53-4F04D6DB5313}" type="datetime1">
               <a:rPr lang="en-US" smtClean="0"/>
-              <a:t>11/4/20</a:t>
+              <a:t>11/6/20</a:t>
             </a:fld>
             <a:endParaRPr lang="en-JP"/>
           </a:p>
@@ -4904,7 +4904,7 @@
     </p:spTree>
     <p:extLst>
       <p:ext uri="{BB962C8B-B14F-4D97-AF65-F5344CB8AC3E}">
-        <p14:creationId xmlns:p14="http://schemas.microsoft.com/office/powerpoint/2010/main" val="2925010410"/>
+        <p14:creationId xmlns:p14="http://schemas.microsoft.com/office/powerpoint/2010/main" val="109861408"/>
       </p:ext>
     </p:extLst>
   </p:cSld>
@@ -5110,7 +5110,7 @@
           <a:p>
             <a:fld id="{FD2FC6A3-69AA-964D-9BE0-4F7C5E2B2F2A}" type="datetime1">
               <a:rPr lang="en-US" smtClean="0"/>
-              <a:t>11/4/20</a:t>
+              <a:t>11/6/20</a:t>
             </a:fld>
             <a:endParaRPr lang="en-JP"/>
           </a:p>
@@ -5161,7 +5161,7 @@
     </p:spTree>
     <p:extLst>
       <p:ext uri="{BB962C8B-B14F-4D97-AF65-F5344CB8AC3E}">
-        <p14:creationId xmlns:p14="http://schemas.microsoft.com/office/powerpoint/2010/main" val="3651220210"/>
+        <p14:creationId xmlns:p14="http://schemas.microsoft.com/office/powerpoint/2010/main" val="2600247466"/>
       </p:ext>
     </p:extLst>
   </p:cSld>
@@ -5306,7 +5306,7 @@
           <a:p>
             <a:fld id="{76AC1111-FCCE-E54E-A694-52837EC97598}" type="datetime1">
               <a:rPr lang="en-US" smtClean="0"/>
-              <a:t>11/4/20</a:t>
+              <a:t>11/6/20</a:t>
             </a:fld>
             <a:endParaRPr lang="en-JP"/>
           </a:p>
@@ -5357,7 +5357,7 @@
     </p:spTree>
     <p:extLst>
       <p:ext uri="{BB962C8B-B14F-4D97-AF65-F5344CB8AC3E}">
-        <p14:creationId xmlns:p14="http://schemas.microsoft.com/office/powerpoint/2010/main" val="2737971363"/>
+        <p14:creationId xmlns:p14="http://schemas.microsoft.com/office/powerpoint/2010/main" val="1173765842"/>
       </p:ext>
     </p:extLst>
   </p:cSld>
@@ -5569,7 +5569,7 @@
           <a:p>
             <a:fld id="{4A465844-DF97-EC4E-A69D-C7C2AB92FE05}" type="datetime1">
               <a:rPr lang="en-US" smtClean="0"/>
-              <a:t>11/4/20</a:t>
+              <a:t>11/6/20</a:t>
             </a:fld>
             <a:endParaRPr lang="en-JP"/>
           </a:p>
@@ -5858,7 +5858,7 @@
     </p:spTree>
     <p:extLst>
       <p:ext uri="{BB962C8B-B14F-4D97-AF65-F5344CB8AC3E}">
-        <p14:creationId xmlns:p14="http://schemas.microsoft.com/office/powerpoint/2010/main" val="240439420"/>
+        <p14:creationId xmlns:p14="http://schemas.microsoft.com/office/powerpoint/2010/main" val="3632794524"/>
       </p:ext>
     </p:extLst>
   </p:cSld>
@@ -6003,7 +6003,7 @@
           <a:p>
             <a:fld id="{256ED892-434A-3D49-A8D9-32E0654598C8}" type="datetime1">
               <a:rPr lang="en-US" smtClean="0"/>
-              <a:t>11/4/20</a:t>
+              <a:t>11/6/20</a:t>
             </a:fld>
             <a:endParaRPr lang="en-JP"/>
           </a:p>
@@ -6054,7 +6054,7 @@
     </p:spTree>
     <p:extLst>
       <p:ext uri="{BB962C8B-B14F-4D97-AF65-F5344CB8AC3E}">
-        <p14:creationId xmlns:p14="http://schemas.microsoft.com/office/powerpoint/2010/main" val="3552443840"/>
+        <p14:creationId xmlns:p14="http://schemas.microsoft.com/office/powerpoint/2010/main" val="3058217963"/>
       </p:ext>
     </p:extLst>
   </p:cSld>
@@ -6549,7 +6549,7 @@
           <a:p>
             <a:fld id="{26A1F1B3-80BC-2E42-A4DC-76CB57B34F7F}" type="datetime1">
               <a:rPr lang="en-US" smtClean="0"/>
-              <a:t>11/4/20</a:t>
+              <a:t>11/6/20</a:t>
             </a:fld>
             <a:endParaRPr lang="en-JP"/>
           </a:p>
@@ -6600,7 +6600,7 @@
     </p:spTree>
     <p:extLst>
       <p:ext uri="{BB962C8B-B14F-4D97-AF65-F5344CB8AC3E}">
-        <p14:creationId xmlns:p14="http://schemas.microsoft.com/office/powerpoint/2010/main" val="2579141315"/>
+        <p14:creationId xmlns:p14="http://schemas.microsoft.com/office/powerpoint/2010/main" val="3379480761"/>
       </p:ext>
     </p:extLst>
   </p:cSld>
@@ -7269,7 +7269,7 @@
           <a:p>
             <a:fld id="{0AABB0DE-1192-8A47-86F0-8F1E6E93522E}" type="datetime1">
               <a:rPr lang="en-US" smtClean="0"/>
-              <a:t>11/4/20</a:t>
+              <a:t>11/6/20</a:t>
             </a:fld>
             <a:endParaRPr lang="en-JP"/>
           </a:p>
@@ -7320,7 +7320,7 @@
     </p:spTree>
     <p:extLst>
       <p:ext uri="{BB962C8B-B14F-4D97-AF65-F5344CB8AC3E}">
-        <p14:creationId xmlns:p14="http://schemas.microsoft.com/office/powerpoint/2010/main" val="1510125006"/>
+        <p14:creationId xmlns:p14="http://schemas.microsoft.com/office/powerpoint/2010/main" val="3978368948"/>
       </p:ext>
     </p:extLst>
   </p:cSld>
@@ -7439,7 +7439,7 @@
           <a:p>
             <a:fld id="{FCA1030E-B9CB-944B-81EE-CAB1C56A03FD}" type="datetime1">
               <a:rPr lang="en-US" smtClean="0"/>
-              <a:t>11/4/20</a:t>
+              <a:t>11/6/20</a:t>
             </a:fld>
             <a:endParaRPr lang="en-JP"/>
           </a:p>
@@ -7490,7 +7490,7 @@
     </p:spTree>
     <p:extLst>
       <p:ext uri="{BB962C8B-B14F-4D97-AF65-F5344CB8AC3E}">
-        <p14:creationId xmlns:p14="http://schemas.microsoft.com/office/powerpoint/2010/main" val="2809320709"/>
+        <p14:creationId xmlns:p14="http://schemas.microsoft.com/office/powerpoint/2010/main" val="2082231400"/>
       </p:ext>
     </p:extLst>
   </p:cSld>
@@ -7619,7 +7619,7 @@
           <a:p>
             <a:fld id="{13DFD7F9-65D6-BD40-A1B5-4F95247F5053}" type="datetime1">
               <a:rPr lang="en-US" smtClean="0"/>
-              <a:t>11/4/20</a:t>
+              <a:t>11/6/20</a:t>
             </a:fld>
             <a:endParaRPr lang="en-JP"/>
           </a:p>
@@ -7670,7 +7670,7 @@
     </p:spTree>
     <p:extLst>
       <p:ext uri="{BB962C8B-B14F-4D97-AF65-F5344CB8AC3E}">
-        <p14:creationId xmlns:p14="http://schemas.microsoft.com/office/powerpoint/2010/main" val="2822151027"/>
+        <p14:creationId xmlns:p14="http://schemas.microsoft.com/office/powerpoint/2010/main" val="1081847544"/>
       </p:ext>
     </p:extLst>
   </p:cSld>
@@ -7789,7 +7789,7 @@
           <a:p>
             <a:fld id="{80EC1F9C-35DC-3A42-8E44-11E0AFA679EE}" type="datetime1">
               <a:rPr lang="en-US" smtClean="0"/>
-              <a:t>11/4/20</a:t>
+              <a:t>11/6/20</a:t>
             </a:fld>
             <a:endParaRPr lang="en-JP"/>
           </a:p>
@@ -7840,7 +7840,7 @@
     </p:spTree>
     <p:extLst>
       <p:ext uri="{BB962C8B-B14F-4D97-AF65-F5344CB8AC3E}">
-        <p14:creationId xmlns:p14="http://schemas.microsoft.com/office/powerpoint/2010/main" val="1957163268"/>
+        <p14:creationId xmlns:p14="http://schemas.microsoft.com/office/powerpoint/2010/main" val="3038855609"/>
       </p:ext>
     </p:extLst>
   </p:cSld>
@@ -8039,7 +8039,7 @@
           <a:p>
             <a:fld id="{DA6C8885-0135-9449-9174-82D7069F162B}" type="datetime1">
               <a:rPr lang="en-US" smtClean="0"/>
-              <a:t>11/4/20</a:t>
+              <a:t>11/6/20</a:t>
             </a:fld>
             <a:endParaRPr lang="en-JP"/>
           </a:p>
@@ -8090,7 +8090,7 @@
     </p:spTree>
     <p:extLst>
       <p:ext uri="{BB962C8B-B14F-4D97-AF65-F5344CB8AC3E}">
-        <p14:creationId xmlns:p14="http://schemas.microsoft.com/office/powerpoint/2010/main" val="2993523483"/>
+        <p14:creationId xmlns:p14="http://schemas.microsoft.com/office/powerpoint/2010/main" val="2645976664"/>
       </p:ext>
     </p:extLst>
   </p:cSld>
@@ -8271,7 +8271,7 @@
           <a:p>
             <a:fld id="{20520575-4B83-E045-8503-274913F8D962}" type="datetime1">
               <a:rPr lang="en-US" smtClean="0"/>
-              <a:t>11/4/20</a:t>
+              <a:t>11/6/20</a:t>
             </a:fld>
             <a:endParaRPr lang="en-JP"/>
           </a:p>
@@ -8322,7 +8322,7 @@
     </p:spTree>
     <p:extLst>
       <p:ext uri="{BB962C8B-B14F-4D97-AF65-F5344CB8AC3E}">
-        <p14:creationId xmlns:p14="http://schemas.microsoft.com/office/powerpoint/2010/main" val="3270466896"/>
+        <p14:creationId xmlns:p14="http://schemas.microsoft.com/office/powerpoint/2010/main" val="3046963019"/>
       </p:ext>
     </p:extLst>
   </p:cSld>
@@ -8652,7 +8652,7 @@
           <a:p>
             <a:fld id="{07872046-489D-3F4E-847F-F608E2DD634B}" type="datetime1">
               <a:rPr lang="en-US" smtClean="0"/>
-              <a:t>11/4/20</a:t>
+              <a:t>11/6/20</a:t>
             </a:fld>
             <a:endParaRPr lang="en-JP"/>
           </a:p>
@@ -8703,7 +8703,7 @@
     </p:spTree>
     <p:extLst>
       <p:ext uri="{BB962C8B-B14F-4D97-AF65-F5344CB8AC3E}">
-        <p14:creationId xmlns:p14="http://schemas.microsoft.com/office/powerpoint/2010/main" val="2347232008"/>
+        <p14:creationId xmlns:p14="http://schemas.microsoft.com/office/powerpoint/2010/main" val="3990759288"/>
       </p:ext>
     </p:extLst>
   </p:cSld>
@@ -8770,7 +8770,7 @@
           <a:p>
             <a:fld id="{5C3D5A0F-E549-574D-8965-B56AACA30DAC}" type="datetime1">
               <a:rPr lang="en-US" smtClean="0"/>
-              <a:t>11/4/20</a:t>
+              <a:t>11/6/20</a:t>
             </a:fld>
             <a:endParaRPr lang="en-JP"/>
           </a:p>
@@ -8821,7 +8821,7 @@
     </p:spTree>
     <p:extLst>
       <p:ext uri="{BB962C8B-B14F-4D97-AF65-F5344CB8AC3E}">
-        <p14:creationId xmlns:p14="http://schemas.microsoft.com/office/powerpoint/2010/main" val="815755492"/>
+        <p14:creationId xmlns:p14="http://schemas.microsoft.com/office/powerpoint/2010/main" val="3825094700"/>
       </p:ext>
     </p:extLst>
   </p:cSld>
@@ -8865,7 +8865,7 @@
           <a:p>
             <a:fld id="{E3C49EB9-681B-904D-AF2B-51195662EB96}" type="datetime1">
               <a:rPr lang="en-US" smtClean="0"/>
-              <a:t>11/4/20</a:t>
+              <a:t>11/6/20</a:t>
             </a:fld>
             <a:endParaRPr lang="en-JP"/>
           </a:p>
@@ -8916,7 +8916,7 @@
     </p:spTree>
     <p:extLst>
       <p:ext uri="{BB962C8B-B14F-4D97-AF65-F5344CB8AC3E}">
-        <p14:creationId xmlns:p14="http://schemas.microsoft.com/office/powerpoint/2010/main" val="3473411829"/>
+        <p14:creationId xmlns:p14="http://schemas.microsoft.com/office/powerpoint/2010/main" val="2216209157"/>
       </p:ext>
     </p:extLst>
   </p:cSld>
@@ -9114,7 +9114,7 @@
           <a:p>
             <a:fld id="{72F5DD6E-D2D7-E843-9FC1-47D77730955D}" type="datetime1">
               <a:rPr lang="en-US" smtClean="0"/>
-              <a:t>11/4/20</a:t>
+              <a:t>11/6/20</a:t>
             </a:fld>
             <a:endParaRPr lang="en-JP"/>
           </a:p>
@@ -9165,7 +9165,7 @@
     </p:spTree>
     <p:extLst>
       <p:ext uri="{BB962C8B-B14F-4D97-AF65-F5344CB8AC3E}">
-        <p14:creationId xmlns:p14="http://schemas.microsoft.com/office/powerpoint/2010/main" val="2859842857"/>
+        <p14:creationId xmlns:p14="http://schemas.microsoft.com/office/powerpoint/2010/main" val="1252313411"/>
       </p:ext>
     </p:extLst>
   </p:cSld>
@@ -9394,7 +9394,7 @@
           <a:p>
             <a:fld id="{78702E15-D31B-B643-A687-D7FADD86F04A}" type="datetime1">
               <a:rPr lang="en-US" smtClean="0"/>
-              <a:t>11/4/20</a:t>
+              <a:t>11/6/20</a:t>
             </a:fld>
             <a:endParaRPr lang="en-JP"/>
           </a:p>
@@ -9445,7 +9445,7 @@
     </p:spTree>
     <p:extLst>
       <p:ext uri="{BB962C8B-B14F-4D97-AF65-F5344CB8AC3E}">
-        <p14:creationId xmlns:p14="http://schemas.microsoft.com/office/powerpoint/2010/main" val="2577166875"/>
+        <p14:creationId xmlns:p14="http://schemas.microsoft.com/office/powerpoint/2010/main" val="2674669603"/>
       </p:ext>
     </p:extLst>
   </p:cSld>
@@ -9460,36 +9460,30 @@
   <p:cSld>
     <p:bg>
       <p:bgPr>
-        <a:gradFill flip="none" rotWithShape="1">
-          <a:gsLst>
-            <a:gs pos="0">
-              <a:schemeClr val="accent2">
-                <a:lumMod val="5000"/>
-                <a:lumOff val="95000"/>
+        <a:blipFill dpi="0" rotWithShape="1">
+          <a:blip r:embed="rId19">
+            <a:alphaModFix amt="25000"/>
+            <a:duotone>
+              <a:schemeClr val="bg2">
+                <a:shade val="88000"/>
+                <a:hueMod val="106000"/>
+                <a:satMod val="140000"/>
+                <a:lumMod val="54000"/>
               </a:schemeClr>
-            </a:gs>
-            <a:gs pos="74000">
-              <a:schemeClr val="accent2">
-                <a:lumMod val="45000"/>
-                <a:lumOff val="55000"/>
+              <a:schemeClr val="bg2">
+                <a:tint val="98000"/>
+                <a:hueMod val="90000"/>
+                <a:satMod val="150000"/>
+                <a:lumMod val="160000"/>
               </a:schemeClr>
-            </a:gs>
-            <a:gs pos="83000">
-              <a:schemeClr val="accent2">
-                <a:lumMod val="45000"/>
-                <a:lumOff val="55000"/>
-              </a:schemeClr>
-            </a:gs>
-            <a:gs pos="100000">
-              <a:schemeClr val="accent2">
-                <a:lumMod val="30000"/>
-                <a:lumOff val="70000"/>
-              </a:schemeClr>
-            </a:gs>
-          </a:gsLst>
-          <a:lin ang="5400000" scaled="1"/>
-          <a:tileRect/>
-        </a:gradFill>
+            </a:duotone>
+            <a:lum/>
+          </a:blip>
+          <a:srcRect/>
+          <a:stretch>
+            <a:fillRect/>
+          </a:stretch>
+        </a:blipFill>
         <a:effectLst/>
       </p:bgPr>
     </p:bg>
@@ -9516,7 +9510,7 @@
           <p:nvPr/>
         </p:nvPicPr>
         <p:blipFill>
-          <a:blip r:embed="rId19">
+          <a:blip r:embed="rId20">
             <a:alphaModFix amt="30000"/>
             <a:extLst>
               <a:ext uri="{28A0092B-C50C-407E-A947-70E740481C1C}">
@@ -9540,7 +9534,7 @@
           <a:noFill/>
           <a:extLst>
             <a:ext uri="{909E8E84-426E-40dd-AFC4-6F175D3DCCD1}">
-              <a14:hiddenFill xmlns="" xmlns:a14="http://schemas.microsoft.com/office/drawing/2010/main">
+              <a14:hiddenFill xmlns:a14="http://schemas.microsoft.com/office/drawing/2010/main" xmlns="">
                 <a:solidFill>
                   <a:srgbClr val="FFFFFF"/>
                 </a:solidFill>
@@ -9614,7 +9608,7 @@
               </a:ln>
               <a:extLst>
                 <a:ext uri="{91240B29-F687-4f45-9708-019B960494DF}">
-                  <a14:hiddenLine xmlns="" xmlns:a14="http://schemas.microsoft.com/office/drawing/2010/main" w="9525">
+                  <a14:hiddenLine xmlns:a14="http://schemas.microsoft.com/office/drawing/2010/main" xmlns="" w="9525">
                     <a:solidFill>
                       <a:srgbClr val="000000"/>
                     </a:solidFill>
@@ -9704,7 +9698,7 @@
               </a:ln>
               <a:extLst>
                 <a:ext uri="{91240B29-F687-4f45-9708-019B960494DF}">
-                  <a14:hiddenLine xmlns="" xmlns:a14="http://schemas.microsoft.com/office/drawing/2010/main" w="9525">
+                  <a14:hiddenLine xmlns:a14="http://schemas.microsoft.com/office/drawing/2010/main" xmlns="" w="9525">
                     <a:solidFill>
                       <a:srgbClr val="000000"/>
                     </a:solidFill>
@@ -9794,7 +9788,7 @@
               </a:ln>
               <a:extLst>
                 <a:ext uri="{91240B29-F687-4f45-9708-019B960494DF}">
-                  <a14:hiddenLine xmlns="" xmlns:a14="http://schemas.microsoft.com/office/drawing/2010/main" w="9525">
+                  <a14:hiddenLine xmlns:a14="http://schemas.microsoft.com/office/drawing/2010/main" xmlns="" w="9525">
                     <a:solidFill>
                       <a:srgbClr val="000000"/>
                     </a:solidFill>
@@ -9856,7 +9850,7 @@
               </a:ln>
               <a:extLst>
                 <a:ext uri="{91240B29-F687-4f45-9708-019B960494DF}">
-                  <a14:hiddenLine xmlns="" xmlns:a14="http://schemas.microsoft.com/office/drawing/2010/main" w="9525">
+                  <a14:hiddenLine xmlns:a14="http://schemas.microsoft.com/office/drawing/2010/main" xmlns="" w="9525">
                     <a:solidFill>
                       <a:srgbClr val="000000"/>
                     </a:solidFill>
@@ -9946,7 +9940,7 @@
               </a:ln>
               <a:extLst>
                 <a:ext uri="{91240B29-F687-4f45-9708-019B960494DF}">
-                  <a14:hiddenLine xmlns="" xmlns:a14="http://schemas.microsoft.com/office/drawing/2010/main" w="9525">
+                  <a14:hiddenLine xmlns:a14="http://schemas.microsoft.com/office/drawing/2010/main" xmlns="" w="9525">
                     <a:solidFill>
                       <a:srgbClr val="000000"/>
                     </a:solidFill>
@@ -10008,7 +10002,7 @@
               </a:ln>
               <a:extLst>
                 <a:ext uri="{91240B29-F687-4f45-9708-019B960494DF}">
-                  <a14:hiddenLine xmlns="" xmlns:a14="http://schemas.microsoft.com/office/drawing/2010/main" w="9525">
+                  <a14:hiddenLine xmlns:a14="http://schemas.microsoft.com/office/drawing/2010/main" xmlns="" w="9525">
                     <a:solidFill>
                       <a:srgbClr val="000000"/>
                     </a:solidFill>
@@ -10070,7 +10064,7 @@
               </a:ln>
               <a:extLst>
                 <a:ext uri="{91240B29-F687-4f45-9708-019B960494DF}">
-                  <a14:hiddenLine xmlns="" xmlns:a14="http://schemas.microsoft.com/office/drawing/2010/main" w="9525">
+                  <a14:hiddenLine xmlns:a14="http://schemas.microsoft.com/office/drawing/2010/main" xmlns="" w="9525">
                     <a:solidFill>
                       <a:srgbClr val="000000"/>
                     </a:solidFill>
@@ -10160,7 +10154,7 @@
               </a:ln>
               <a:extLst>
                 <a:ext uri="{91240B29-F687-4f45-9708-019B960494DF}">
-                  <a14:hiddenLine xmlns="" xmlns:a14="http://schemas.microsoft.com/office/drawing/2010/main" w="9525">
+                  <a14:hiddenLine xmlns:a14="http://schemas.microsoft.com/office/drawing/2010/main" xmlns="" w="9525">
                     <a:solidFill>
                       <a:srgbClr val="000000"/>
                     </a:solidFill>
@@ -10250,7 +10244,7 @@
               </a:ln>
               <a:extLst>
                 <a:ext uri="{91240B29-F687-4f45-9708-019B960494DF}">
-                  <a14:hiddenLine xmlns="" xmlns:a14="http://schemas.microsoft.com/office/drawing/2010/main" w="9525">
+                  <a14:hiddenLine xmlns:a14="http://schemas.microsoft.com/office/drawing/2010/main" xmlns="" w="9525">
                     <a:solidFill>
                       <a:srgbClr val="000000"/>
                     </a:solidFill>
@@ -10312,7 +10306,7 @@
               </a:ln>
               <a:extLst>
                 <a:ext uri="{91240B29-F687-4f45-9708-019B960494DF}">
-                  <a14:hiddenLine xmlns="" xmlns:a14="http://schemas.microsoft.com/office/drawing/2010/main" w="9525">
+                  <a14:hiddenLine xmlns:a14="http://schemas.microsoft.com/office/drawing/2010/main" xmlns="" w="9525">
                     <a:solidFill>
                       <a:srgbClr val="000000"/>
                     </a:solidFill>
@@ -10422,7 +10416,7 @@
               </a:ln>
               <a:extLst>
                 <a:ext uri="{91240B29-F687-4f45-9708-019B960494DF}">
-                  <a14:hiddenLine xmlns="" xmlns:a14="http://schemas.microsoft.com/office/drawing/2010/main" w="9525">
+                  <a14:hiddenLine xmlns:a14="http://schemas.microsoft.com/office/drawing/2010/main" xmlns="" w="9525">
                     <a:solidFill>
                       <a:srgbClr val="000000"/>
                     </a:solidFill>
@@ -10506,7 +10500,7 @@
               </a:ln>
               <a:extLst>
                 <a:ext uri="{91240B29-F687-4f45-9708-019B960494DF}">
-                  <a14:hiddenLine xmlns="" xmlns:a14="http://schemas.microsoft.com/office/drawing/2010/main" w="9525">
+                  <a14:hiddenLine xmlns:a14="http://schemas.microsoft.com/office/drawing/2010/main" xmlns="" w="9525">
                     <a:solidFill>
                       <a:srgbClr val="000000"/>
                     </a:solidFill>
@@ -10568,7 +10562,7 @@
               </a:ln>
               <a:extLst>
                 <a:ext uri="{91240B29-F687-4f45-9708-019B960494DF}">
-                  <a14:hiddenLine xmlns="" xmlns:a14="http://schemas.microsoft.com/office/drawing/2010/main" w="9525">
+                  <a14:hiddenLine xmlns:a14="http://schemas.microsoft.com/office/drawing/2010/main" xmlns="" w="9525">
                     <a:solidFill>
                       <a:srgbClr val="000000"/>
                     </a:solidFill>
@@ -10630,7 +10624,7 @@
               </a:ln>
               <a:extLst>
                 <a:ext uri="{91240B29-F687-4f45-9708-019B960494DF}">
-                  <a14:hiddenLine xmlns="" xmlns:a14="http://schemas.microsoft.com/office/drawing/2010/main" w="9525">
+                  <a14:hiddenLine xmlns:a14="http://schemas.microsoft.com/office/drawing/2010/main" xmlns="" w="9525">
                     <a:solidFill>
                       <a:srgbClr val="000000"/>
                     </a:solidFill>
@@ -10720,7 +10714,7 @@
               </a:ln>
               <a:extLst>
                 <a:ext uri="{91240B29-F687-4f45-9708-019B960494DF}">
-                  <a14:hiddenLine xmlns="" xmlns:a14="http://schemas.microsoft.com/office/drawing/2010/main" w="9525">
+                  <a14:hiddenLine xmlns:a14="http://schemas.microsoft.com/office/drawing/2010/main" xmlns="" w="9525">
                     <a:solidFill>
                       <a:srgbClr val="000000"/>
                     </a:solidFill>
@@ -10754,7 +10748,7 @@
               </a:ln>
               <a:extLst>
                 <a:ext uri="{91240B29-F687-4f45-9708-019B960494DF}">
-                  <a14:hiddenLine xmlns="" xmlns:a14="http://schemas.microsoft.com/office/drawing/2010/main" w="9525">
+                  <a14:hiddenLine xmlns:a14="http://schemas.microsoft.com/office/drawing/2010/main" xmlns="" w="9525">
                     <a:solidFill>
                       <a:srgbClr val="000000"/>
                     </a:solidFill>
@@ -10819,7 +10813,7 @@
               </a:ln>
               <a:extLst>
                 <a:ext uri="{91240B29-F687-4f45-9708-019B960494DF}">
-                  <a14:hiddenLine xmlns="" xmlns:a14="http://schemas.microsoft.com/office/drawing/2010/main" w="9525">
+                  <a14:hiddenLine xmlns:a14="http://schemas.microsoft.com/office/drawing/2010/main" xmlns="" w="9525">
                     <a:solidFill>
                       <a:srgbClr val="000000"/>
                     </a:solidFill>
@@ -10909,7 +10903,7 @@
               </a:ln>
               <a:extLst>
                 <a:ext uri="{91240B29-F687-4f45-9708-019B960494DF}">
-                  <a14:hiddenLine xmlns="" xmlns:a14="http://schemas.microsoft.com/office/drawing/2010/main" w="9525">
+                  <a14:hiddenLine xmlns:a14="http://schemas.microsoft.com/office/drawing/2010/main" xmlns="" w="9525">
                     <a:solidFill>
                       <a:srgbClr val="000000"/>
                     </a:solidFill>
@@ -10971,7 +10965,7 @@
               </a:ln>
               <a:extLst>
                 <a:ext uri="{91240B29-F687-4f45-9708-019B960494DF}">
-                  <a14:hiddenLine xmlns="" xmlns:a14="http://schemas.microsoft.com/office/drawing/2010/main" w="9525">
+                  <a14:hiddenLine xmlns:a14="http://schemas.microsoft.com/office/drawing/2010/main" xmlns="" w="9525">
                     <a:solidFill>
                       <a:srgbClr val="000000"/>
                     </a:solidFill>
@@ -11061,7 +11055,7 @@
               </a:ln>
               <a:extLst>
                 <a:ext uri="{91240B29-F687-4f45-9708-019B960494DF}">
-                  <a14:hiddenLine xmlns="" xmlns:a14="http://schemas.microsoft.com/office/drawing/2010/main" w="9525">
+                  <a14:hiddenLine xmlns:a14="http://schemas.microsoft.com/office/drawing/2010/main" xmlns="" w="9525">
                     <a:solidFill>
                       <a:srgbClr val="000000"/>
                     </a:solidFill>
@@ -11126,7 +11120,7 @@
               </a:ln>
               <a:extLst>
                 <a:ext uri="{91240B29-F687-4f45-9708-019B960494DF}">
-                  <a14:hiddenLine xmlns="" xmlns:a14="http://schemas.microsoft.com/office/drawing/2010/main" w="9525">
+                  <a14:hiddenLine xmlns:a14="http://schemas.microsoft.com/office/drawing/2010/main" xmlns="" w="9525">
                     <a:solidFill>
                       <a:srgbClr val="000000"/>
                     </a:solidFill>
@@ -11188,7 +11182,7 @@
               </a:ln>
               <a:extLst>
                 <a:ext uri="{91240B29-F687-4f45-9708-019B960494DF}">
-                  <a14:hiddenLine xmlns="" xmlns:a14="http://schemas.microsoft.com/office/drawing/2010/main" w="9525">
+                  <a14:hiddenLine xmlns:a14="http://schemas.microsoft.com/office/drawing/2010/main" xmlns="" w="9525">
                     <a:solidFill>
                       <a:srgbClr val="000000"/>
                     </a:solidFill>
@@ -11278,7 +11272,7 @@
               </a:ln>
               <a:extLst>
                 <a:ext uri="{91240B29-F687-4f45-9708-019B960494DF}">
-                  <a14:hiddenLine xmlns="" xmlns:a14="http://schemas.microsoft.com/office/drawing/2010/main" w="9525">
+                  <a14:hiddenLine xmlns:a14="http://schemas.microsoft.com/office/drawing/2010/main" xmlns="" w="9525">
                     <a:solidFill>
                       <a:srgbClr val="000000"/>
                     </a:solidFill>
@@ -11368,7 +11362,7 @@
               </a:ln>
               <a:extLst>
                 <a:ext uri="{91240B29-F687-4f45-9708-019B960494DF}">
-                  <a14:hiddenLine xmlns="" xmlns:a14="http://schemas.microsoft.com/office/drawing/2010/main" w="9525">
+                  <a14:hiddenLine xmlns:a14="http://schemas.microsoft.com/office/drawing/2010/main" xmlns="" w="9525">
                     <a:solidFill>
                       <a:srgbClr val="000000"/>
                     </a:solidFill>
@@ -11433,7 +11427,7 @@
               </a:ln>
               <a:extLst>
                 <a:ext uri="{91240B29-F687-4f45-9708-019B960494DF}">
-                  <a14:hiddenLine xmlns="" xmlns:a14="http://schemas.microsoft.com/office/drawing/2010/main" w="9525">
+                  <a14:hiddenLine xmlns:a14="http://schemas.microsoft.com/office/drawing/2010/main" xmlns="" w="9525">
                     <a:solidFill>
                       <a:srgbClr val="000000"/>
                     </a:solidFill>
@@ -11553,7 +11547,7 @@
               </a:ln>
               <a:extLst>
                 <a:ext uri="{91240B29-F687-4f45-9708-019B960494DF}">
-                  <a14:hiddenLine xmlns="" xmlns:a14="http://schemas.microsoft.com/office/drawing/2010/main" w="9525">
+                  <a14:hiddenLine xmlns:a14="http://schemas.microsoft.com/office/drawing/2010/main" xmlns="" w="9525">
                     <a:solidFill>
                       <a:srgbClr val="000000"/>
                     </a:solidFill>
@@ -11651,7 +11645,7 @@
               </a:ln>
               <a:extLst>
                 <a:ext uri="{91240B29-F687-4f45-9708-019B960494DF}">
-                  <a14:hiddenLine xmlns="" xmlns:a14="http://schemas.microsoft.com/office/drawing/2010/main" w="9525">
+                  <a14:hiddenLine xmlns:a14="http://schemas.microsoft.com/office/drawing/2010/main" xmlns="" w="9525">
                     <a:solidFill>
                       <a:srgbClr val="000000"/>
                     </a:solidFill>
@@ -11766,7 +11760,7 @@
               </a:ln>
               <a:extLst>
                 <a:ext uri="{91240B29-F687-4f45-9708-019B960494DF}">
-                  <a14:hiddenLine xmlns="" xmlns:a14="http://schemas.microsoft.com/office/drawing/2010/main" w="9525">
+                  <a14:hiddenLine xmlns:a14="http://schemas.microsoft.com/office/drawing/2010/main" xmlns="" w="9525">
                     <a:solidFill>
                       <a:srgbClr val="000000"/>
                     </a:solidFill>
@@ -11856,7 +11850,7 @@
               </a:ln>
               <a:extLst>
                 <a:ext uri="{91240B29-F687-4f45-9708-019B960494DF}">
-                  <a14:hiddenLine xmlns="" xmlns:a14="http://schemas.microsoft.com/office/drawing/2010/main" w="9525">
+                  <a14:hiddenLine xmlns:a14="http://schemas.microsoft.com/office/drawing/2010/main" xmlns="" w="9525">
                     <a:solidFill>
                       <a:srgbClr val="000000"/>
                     </a:solidFill>
@@ -11921,7 +11915,7 @@
               </a:ln>
               <a:extLst>
                 <a:ext uri="{91240B29-F687-4f45-9708-019B960494DF}">
-                  <a14:hiddenLine xmlns="" xmlns:a14="http://schemas.microsoft.com/office/drawing/2010/main" w="9525">
+                  <a14:hiddenLine xmlns:a14="http://schemas.microsoft.com/office/drawing/2010/main" xmlns="" w="9525">
                     <a:solidFill>
                       <a:srgbClr val="000000"/>
                     </a:solidFill>
@@ -12011,7 +12005,7 @@
               </a:ln>
               <a:extLst>
                 <a:ext uri="{91240B29-F687-4f45-9708-019B960494DF}">
-                  <a14:hiddenLine xmlns="" xmlns:a14="http://schemas.microsoft.com/office/drawing/2010/main" w="9525">
+                  <a14:hiddenLine xmlns:a14="http://schemas.microsoft.com/office/drawing/2010/main" xmlns="" w="9525">
                     <a:solidFill>
                       <a:srgbClr val="000000"/>
                     </a:solidFill>
@@ -12079,7 +12073,7 @@
               </a:ln>
               <a:extLst>
                 <a:ext uri="{91240B29-F687-4f45-9708-019B960494DF}">
-                  <a14:hiddenLine xmlns="" xmlns:a14="http://schemas.microsoft.com/office/drawing/2010/main" w="9525">
+                  <a14:hiddenLine xmlns:a14="http://schemas.microsoft.com/office/drawing/2010/main" xmlns="" w="9525">
                     <a:solidFill>
                       <a:srgbClr val="000000"/>
                     </a:solidFill>
@@ -12169,7 +12163,7 @@
               </a:ln>
               <a:extLst>
                 <a:ext uri="{91240B29-F687-4f45-9708-019B960494DF}">
-                  <a14:hiddenLine xmlns="" xmlns:a14="http://schemas.microsoft.com/office/drawing/2010/main" w="9525">
+                  <a14:hiddenLine xmlns:a14="http://schemas.microsoft.com/office/drawing/2010/main" xmlns="" w="9525">
                     <a:solidFill>
                       <a:srgbClr val="000000"/>
                     </a:solidFill>
@@ -12237,7 +12231,7 @@
               </a:ln>
               <a:extLst>
                 <a:ext uri="{91240B29-F687-4f45-9708-019B960494DF}">
-                  <a14:hiddenLine xmlns="" xmlns:a14="http://schemas.microsoft.com/office/drawing/2010/main" w="9525">
+                  <a14:hiddenLine xmlns:a14="http://schemas.microsoft.com/office/drawing/2010/main" xmlns="" w="9525">
                     <a:solidFill>
                       <a:srgbClr val="000000"/>
                     </a:solidFill>
@@ -12327,7 +12321,7 @@
               </a:ln>
               <a:extLst>
                 <a:ext uri="{91240B29-F687-4f45-9708-019B960494DF}">
-                  <a14:hiddenLine xmlns="" xmlns:a14="http://schemas.microsoft.com/office/drawing/2010/main" w="9525">
+                  <a14:hiddenLine xmlns:a14="http://schemas.microsoft.com/office/drawing/2010/main" xmlns="" w="9525">
                     <a:solidFill>
                       <a:srgbClr val="000000"/>
                     </a:solidFill>
@@ -12361,7 +12355,7 @@
               </a:ln>
               <a:extLst>
                 <a:ext uri="{91240B29-F687-4f45-9708-019B960494DF}">
-                  <a14:hiddenLine xmlns="" xmlns:a14="http://schemas.microsoft.com/office/drawing/2010/main" w="9525">
+                  <a14:hiddenLine xmlns:a14="http://schemas.microsoft.com/office/drawing/2010/main" xmlns="" w="9525">
                     <a:solidFill>
                       <a:srgbClr val="000000"/>
                     </a:solidFill>
@@ -12501,7 +12495,7 @@
           <a:p>
             <a:fld id="{CDB0663C-9BC6-9F4B-AA76-9AF66C97DEC4}" type="datetime1">
               <a:rPr lang="en-US" smtClean="0"/>
-              <a:t>11/4/20</a:t>
+              <a:t>11/6/20</a:t>
             </a:fld>
             <a:endParaRPr lang="en-JP"/>
           </a:p>
@@ -12588,29 +12582,29 @@
     </p:spTree>
     <p:extLst>
       <p:ext uri="{BB962C8B-B14F-4D97-AF65-F5344CB8AC3E}">
-        <p14:creationId xmlns:p14="http://schemas.microsoft.com/office/powerpoint/2010/main" val="2483678559"/>
+        <p14:creationId xmlns:p14="http://schemas.microsoft.com/office/powerpoint/2010/main" val="1008225858"/>
       </p:ext>
     </p:extLst>
   </p:cSld>
   <p:clrMap bg1="dk1" tx1="lt1" bg2="dk2" tx2="lt2" accent1="accent1" accent2="accent2" accent3="accent3" accent4="accent4" accent5="accent5" accent6="accent6" hlink="hlink" folHlink="folHlink"/>
   <p:sldLayoutIdLst>
-    <p:sldLayoutId id="2147483679" r:id="rId1"/>
-    <p:sldLayoutId id="2147483680" r:id="rId2"/>
-    <p:sldLayoutId id="2147483681" r:id="rId3"/>
-    <p:sldLayoutId id="2147483682" r:id="rId4"/>
-    <p:sldLayoutId id="2147483683" r:id="rId5"/>
-    <p:sldLayoutId id="2147483684" r:id="rId6"/>
-    <p:sldLayoutId id="2147483685" r:id="rId7"/>
-    <p:sldLayoutId id="2147483686" r:id="rId8"/>
-    <p:sldLayoutId id="2147483687" r:id="rId9"/>
-    <p:sldLayoutId id="2147483688" r:id="rId10"/>
-    <p:sldLayoutId id="2147483689" r:id="rId11"/>
-    <p:sldLayoutId id="2147483690" r:id="rId12"/>
-    <p:sldLayoutId id="2147483691" r:id="rId13"/>
-    <p:sldLayoutId id="2147483692" r:id="rId14"/>
-    <p:sldLayoutId id="2147483693" r:id="rId15"/>
-    <p:sldLayoutId id="2147483694" r:id="rId16"/>
-    <p:sldLayoutId id="2147483695" r:id="rId17"/>
+    <p:sldLayoutId id="2147483751" r:id="rId1"/>
+    <p:sldLayoutId id="2147483752" r:id="rId2"/>
+    <p:sldLayoutId id="2147483753" r:id="rId3"/>
+    <p:sldLayoutId id="2147483754" r:id="rId4"/>
+    <p:sldLayoutId id="2147483755" r:id="rId5"/>
+    <p:sldLayoutId id="2147483756" r:id="rId6"/>
+    <p:sldLayoutId id="2147483757" r:id="rId7"/>
+    <p:sldLayoutId id="2147483758" r:id="rId8"/>
+    <p:sldLayoutId id="2147483759" r:id="rId9"/>
+    <p:sldLayoutId id="2147483760" r:id="rId10"/>
+    <p:sldLayoutId id="2147483761" r:id="rId11"/>
+    <p:sldLayoutId id="2147483762" r:id="rId12"/>
+    <p:sldLayoutId id="2147483763" r:id="rId13"/>
+    <p:sldLayoutId id="2147483764" r:id="rId14"/>
+    <p:sldLayoutId id="2147483765" r:id="rId15"/>
+    <p:sldLayoutId id="2147483766" r:id="rId16"/>
+    <p:sldLayoutId id="2147483767" r:id="rId17"/>
   </p:sldLayoutIdLst>
   <p:hf hdr="0" ftr="0" dt="0"/>
   <p:txStyles>
@@ -15569,6 +15563,58 @@
       </p:sp>
       <p:sp>
         <p:nvSpPr>
+          <p:cNvPr id="6" name="Subtitle 2">
+            <a:extLst>
+              <a:ext uri="{FF2B5EF4-FFF2-40B4-BE49-F238E27FC236}">
+                <a16:creationId xmlns:a16="http://schemas.microsoft.com/office/drawing/2014/main" id="{63DE0439-5142-1C49-B55B-4B8139F4C1D3}"/>
+              </a:ext>
+            </a:extLst>
+          </p:cNvPr>
+          <p:cNvSpPr>
+            <a:spLocks noGrp="1"/>
+          </p:cNvSpPr>
+          <p:nvPr>
+            <p:ph type="subTitle" idx="1"/>
+          </p:nvPr>
+        </p:nvSpPr>
+        <p:spPr/>
+        <p:txBody>
+          <a:bodyPr/>
+          <a:lstStyle/>
+          <a:p>
+            <a:pPr algn="r"/>
+            <a:endParaRPr lang="en-JP" dirty="0">
+              <a:solidFill>
+                <a:schemeClr val="bg1"/>
+              </a:solidFill>
+            </a:endParaRPr>
+          </a:p>
+          <a:p>
+            <a:pPr algn="r"/>
+            <a:r>
+              <a:rPr lang="en-JP" dirty="0">
+                <a:solidFill>
+                  <a:schemeClr val="bg1"/>
+                </a:solidFill>
+              </a:rPr>
+              <a:t>Barrett Nibling</a:t>
+            </a:r>
+          </a:p>
+          <a:p>
+            <a:pPr algn="r"/>
+            <a:r>
+              <a:rPr lang="en-JP" dirty="0">
+                <a:solidFill>
+                  <a:schemeClr val="bg1"/>
+                </a:solidFill>
+              </a:rPr>
+              <a:t>bnibling@gmail.com</a:t>
+            </a:r>
+          </a:p>
+        </p:txBody>
+      </p:sp>
+      <p:sp>
+        <p:nvSpPr>
           <p:cNvPr id="3" name="Slide Number Placeholder 2">
             <a:extLst>
               <a:ext uri="{FF2B5EF4-FFF2-40B4-BE49-F238E27FC236}">
@@ -15606,63 +15652,6 @@
                 <a:schemeClr val="bg1"/>
               </a:solidFill>
             </a:endParaRPr>
-          </a:p>
-        </p:txBody>
-      </p:sp>
-      <p:sp>
-        <p:nvSpPr>
-          <p:cNvPr id="6" name="Subtitle 2">
-            <a:extLst>
-              <a:ext uri="{FF2B5EF4-FFF2-40B4-BE49-F238E27FC236}">
-                <a16:creationId xmlns:a16="http://schemas.microsoft.com/office/drawing/2014/main" id="{63DE0439-5142-1C49-B55B-4B8139F4C1D3}"/>
-              </a:ext>
-            </a:extLst>
-          </p:cNvPr>
-          <p:cNvSpPr>
-            <a:spLocks noGrp="1"/>
-          </p:cNvSpPr>
-          <p:nvPr>
-            <p:ph type="subTitle" idx="1"/>
-          </p:nvPr>
-        </p:nvSpPr>
-        <p:spPr>
-          <a:xfrm>
-            <a:off x="1876424" y="3602038"/>
-            <a:ext cx="8791575" cy="1655762"/>
-          </a:xfrm>
-        </p:spPr>
-        <p:txBody>
-          <a:bodyPr/>
-          <a:lstStyle/>
-          <a:p>
-            <a:pPr algn="r"/>
-            <a:endParaRPr lang="en-JP" dirty="0">
-              <a:solidFill>
-                <a:schemeClr val="bg1"/>
-              </a:solidFill>
-            </a:endParaRPr>
-          </a:p>
-          <a:p>
-            <a:pPr algn="r"/>
-            <a:r>
-              <a:rPr lang="en-JP" dirty="0">
-                <a:solidFill>
-                  <a:schemeClr val="bg1"/>
-                </a:solidFill>
-              </a:rPr>
-              <a:t>Barrett Nibling</a:t>
-            </a:r>
-          </a:p>
-          <a:p>
-            <a:pPr algn="r"/>
-            <a:r>
-              <a:rPr lang="en-JP" dirty="0">
-                <a:solidFill>
-                  <a:schemeClr val="bg1"/>
-                </a:solidFill>
-              </a:rPr>
-              <a:t>bnibling@gmail.com</a:t>
-            </a:r>
           </a:p>
         </p:txBody>
       </p:sp>
@@ -15814,6 +15803,48 @@
       </p:sp>
       <p:sp>
         <p:nvSpPr>
+          <p:cNvPr id="4" name="Slide Number Placeholder 3">
+            <a:extLst>
+              <a:ext uri="{FF2B5EF4-FFF2-40B4-BE49-F238E27FC236}">
+                <a16:creationId xmlns:a16="http://schemas.microsoft.com/office/drawing/2014/main" id="{DD690859-7A69-DB43-804B-72538D127653}"/>
+              </a:ext>
+            </a:extLst>
+          </p:cNvPr>
+          <p:cNvSpPr>
+            <a:spLocks noGrp="1"/>
+          </p:cNvSpPr>
+          <p:nvPr>
+            <p:ph type="sldNum" sz="quarter" idx="12"/>
+          </p:nvPr>
+        </p:nvSpPr>
+        <p:spPr>
+          <a:xfrm>
+            <a:off x="11442445" y="12963"/>
+            <a:ext cx="771089" cy="365125"/>
+          </a:xfrm>
+        </p:spPr>
+        <p:txBody>
+          <a:bodyPr/>
+          <a:lstStyle/>
+          <a:p>
+            <a:fld id="{ADD9F89A-51C4-D946-8F60-2D1D0261A9C8}" type="slidenum">
+              <a:rPr lang="en-JP" smtClean="0">
+                <a:solidFill>
+                  <a:schemeClr val="bg1"/>
+                </a:solidFill>
+              </a:rPr>
+              <a:t>1</a:t>
+            </a:fld>
+            <a:endParaRPr lang="en-JP" dirty="0">
+              <a:solidFill>
+                <a:schemeClr val="bg1"/>
+              </a:solidFill>
+            </a:endParaRPr>
+          </a:p>
+        </p:txBody>
+      </p:sp>
+      <p:sp>
+        <p:nvSpPr>
           <p:cNvPr id="7" name="TextBox 6">
             <a:extLst>
               <a:ext uri="{FF2B5EF4-FFF2-40B4-BE49-F238E27FC236}">
@@ -15866,48 +15897,6 @@
               <a:t>/home/voter-turnout/voter-turnout-data</a:t>
             </a:r>
             <a:endParaRPr lang="en-JP" sz="1200" dirty="0">
-              <a:solidFill>
-                <a:schemeClr val="bg1"/>
-              </a:solidFill>
-            </a:endParaRPr>
-          </a:p>
-        </p:txBody>
-      </p:sp>
-      <p:sp>
-        <p:nvSpPr>
-          <p:cNvPr id="4" name="Slide Number Placeholder 3">
-            <a:extLst>
-              <a:ext uri="{FF2B5EF4-FFF2-40B4-BE49-F238E27FC236}">
-                <a16:creationId xmlns:a16="http://schemas.microsoft.com/office/drawing/2014/main" id="{DD690859-7A69-DB43-804B-72538D127653}"/>
-              </a:ext>
-            </a:extLst>
-          </p:cNvPr>
-          <p:cNvSpPr>
-            <a:spLocks noGrp="1"/>
-          </p:cNvSpPr>
-          <p:nvPr>
-            <p:ph type="sldNum" sz="quarter" idx="12"/>
-          </p:nvPr>
-        </p:nvSpPr>
-        <p:spPr>
-          <a:xfrm>
-            <a:off x="11442445" y="12963"/>
-            <a:ext cx="771089" cy="365125"/>
-          </a:xfrm>
-        </p:spPr>
-        <p:txBody>
-          <a:bodyPr/>
-          <a:lstStyle/>
-          <a:p>
-            <a:fld id="{ADD9F89A-51C4-D946-8F60-2D1D0261A9C8}" type="slidenum">
-              <a:rPr lang="en-JP" smtClean="0">
-                <a:solidFill>
-                  <a:schemeClr val="bg1"/>
-                </a:solidFill>
-              </a:rPr>
-              <a:t>1</a:t>
-            </a:fld>
-            <a:endParaRPr lang="en-JP" dirty="0">
               <a:solidFill>
                 <a:schemeClr val="bg1"/>
               </a:solidFill>
@@ -17261,28 +17250,38 @@
                 <a:latin typeface="Arial" panose="020B0604020202020204" pitchFamily="34" charset="0"/>
                 <a:cs typeface="Arial" panose="020B0604020202020204" pitchFamily="34" charset="0"/>
               </a:rPr>
-              <a:t>Feature Selection (coefficients and </a:t>
-            </a:r>
-            <a:r>
-              <a:rPr lang="en-US" dirty="0" err="1">
+              <a:t>Feature Selection </a:t>
+            </a:r>
+          </a:p>
+          <a:p>
+            <a:pPr lvl="1"/>
+            <a:r>
+              <a:rPr lang="en-US" dirty="0">
                 <a:solidFill>
                   <a:schemeClr val="bg1"/>
                 </a:solidFill>
                 <a:latin typeface="Arial" panose="020B0604020202020204" pitchFamily="34" charset="0"/>
                 <a:cs typeface="Arial" panose="020B0604020202020204" pitchFamily="34" charset="0"/>
               </a:rPr>
-              <a:t>feature_importances</a:t>
-            </a:r>
-            <a:r>
-              <a:rPr lang="en-US" dirty="0">
+              <a:t>coefficients and </a:t>
+            </a:r>
+            <a:r>
+              <a:rPr lang="en-US" dirty="0" err="1">
                 <a:solidFill>
                   <a:schemeClr val="bg1"/>
                 </a:solidFill>
                 <a:latin typeface="Arial" panose="020B0604020202020204" pitchFamily="34" charset="0"/>
                 <a:cs typeface="Arial" panose="020B0604020202020204" pitchFamily="34" charset="0"/>
               </a:rPr>
-              <a:t>)</a:t>
-            </a:r>
+              <a:t>feature_importances</a:t>
+            </a:r>
+            <a:endParaRPr lang="en-US" dirty="0">
+              <a:solidFill>
+                <a:schemeClr val="bg1"/>
+              </a:solidFill>
+              <a:latin typeface="Arial" panose="020B0604020202020204" pitchFamily="34" charset="0"/>
+              <a:cs typeface="Arial" panose="020B0604020202020204" pitchFamily="34" charset="0"/>
+            </a:endParaRPr>
           </a:p>
           <a:p>
             <a:endParaRPr lang="en-US" dirty="0">
@@ -17389,7 +17388,7 @@
         </p:blipFill>
         <p:spPr>
           <a:xfrm>
-            <a:off x="9165772" y="3429000"/>
+            <a:off x="9165772" y="3581400"/>
             <a:ext cx="2590800" cy="1722849"/>
           </a:xfrm>
           <a:prstGeom prst="rect">
@@ -17411,7 +17410,7 @@
         </p:nvSpPr>
         <p:spPr>
           <a:xfrm>
-            <a:off x="10218856" y="2669947"/>
+            <a:off x="10218856" y="2746147"/>
             <a:ext cx="484632" cy="693647"/>
           </a:xfrm>
           <a:prstGeom prst="downArrow">

--- a/Predicting Voters and Non-voters.pptx
+++ b/Predicting Voters and Non-voters.pptx
@@ -11,8 +11,8 @@
     <p:sldId id="256" r:id="rId2"/>
     <p:sldId id="268" r:id="rId3"/>
     <p:sldId id="257" r:id="rId4"/>
-    <p:sldId id="285" r:id="rId5"/>
-    <p:sldId id="282" r:id="rId6"/>
+    <p:sldId id="282" r:id="rId5"/>
+    <p:sldId id="285" r:id="rId6"/>
     <p:sldId id="284" r:id="rId7"/>
     <p:sldId id="261" r:id="rId8"/>
     <p:sldId id="292" r:id="rId9"/>
@@ -548,7 +548,7 @@
           <a:p>
             <a:fld id="{079C3CC0-EB27-6244-AFBF-E28DF8567992}" type="slidenum">
               <a:rPr lang="en-US" smtClean="0"/>
-              <a:t>4</a:t>
+              <a:t>3</a:t>
             </a:fld>
             <a:endParaRPr lang="en-US"/>
           </a:p>
@@ -16396,7 +16396,7 @@
           <p:cNvPr id="2" name="Title 1">
             <a:extLst>
               <a:ext uri="{FF2B5EF4-FFF2-40B4-BE49-F238E27FC236}">
-                <a16:creationId xmlns:a16="http://schemas.microsoft.com/office/drawing/2014/main" id="{E5CC0808-7D64-F34D-95D0-38A3231577EA}"/>
+                <a16:creationId xmlns:a16="http://schemas.microsoft.com/office/drawing/2014/main" id="{DEBF3C49-A5BA-8243-81B5-C29E4F4D74D4}"/>
               </a:ext>
             </a:extLst>
           </p:cNvPr>
@@ -16409,9 +16409,7 @@
         </p:nvSpPr>
         <p:spPr/>
         <p:txBody>
-          <a:bodyPr>
-            <a:normAutofit/>
-          </a:bodyPr>
+          <a:bodyPr/>
           <a:lstStyle/>
           <a:p>
             <a:r>
@@ -16419,10 +16417,16 @@
                 <a:solidFill>
                   <a:schemeClr val="bg1"/>
                 </a:solidFill>
-                <a:latin typeface="Arial" panose="020B0604020202020204" pitchFamily="34" charset="0"/>
-                <a:cs typeface="Arial" panose="020B0604020202020204" pitchFamily="34" charset="0"/>
-              </a:rPr>
-              <a:t>FiveThirtyEight- Non-Voters Data</a:t>
+              </a:rPr>
+              <a:t>Q</a:t>
+            </a:r>
+            <a:r>
+              <a:rPr lang="en-JP" dirty="0">
+                <a:solidFill>
+                  <a:schemeClr val="bg1"/>
+                </a:solidFill>
+              </a:rPr>
+              <a:t>uestions</a:t>
             </a:r>
             <a:br>
               <a:rPr lang="en-JP" dirty="0">
@@ -16444,7 +16448,7 @@
           <p:cNvPr id="3" name="Content Placeholder 2">
             <a:extLst>
               <a:ext uri="{FF2B5EF4-FFF2-40B4-BE49-F238E27FC236}">
-                <a16:creationId xmlns:a16="http://schemas.microsoft.com/office/drawing/2014/main" id="{B5839046-8C70-BE40-8E00-8D3119552E0B}"/>
+                <a16:creationId xmlns:a16="http://schemas.microsoft.com/office/drawing/2014/main" id="{D70EB080-EE09-7D49-BB11-60FC13715F25}"/>
               </a:ext>
             </a:extLst>
           </p:cNvPr>
@@ -16457,61 +16461,38 @@
         </p:nvSpPr>
         <p:spPr>
           <a:xfrm>
-            <a:off x="1141413" y="1593237"/>
-            <a:ext cx="9905999" cy="4975514"/>
+            <a:off x="1141413" y="2097088"/>
+            <a:ext cx="9626114" cy="3989995"/>
           </a:xfrm>
         </p:spPr>
         <p:txBody>
-          <a:bodyPr>
-            <a:normAutofit/>
-          </a:bodyPr>
+          <a:bodyPr/>
           <a:lstStyle/>
           <a:p>
-            <a:r>
-              <a:rPr lang="en-US" dirty="0">
+            <a:pPr marL="457200" indent="-457200">
+              <a:buFont typeface="+mj-lt"/>
+              <a:buAutoNum type="arabicPeriod"/>
+            </a:pPr>
+            <a:r>
+              <a:rPr lang="en-US" b="1" dirty="0">
                 <a:solidFill>
                   <a:schemeClr val="bg1"/>
                 </a:solidFill>
                 <a:latin typeface="Arial" panose="020B0604020202020204" pitchFamily="34" charset="0"/>
                 <a:cs typeface="Arial" panose="020B0604020202020204" pitchFamily="34" charset="0"/>
               </a:rPr>
-              <a:t>Polling done by Ipsos</a:t>
-            </a:r>
-          </a:p>
-          <a:p>
-            <a:r>
-              <a:rPr lang="en-US" dirty="0">
+              <a:t>What features make people decided to vote or not for any given election?</a:t>
+            </a:r>
+            <a:br>
+              <a:rPr lang="en-US" sz="2400" dirty="0">
                 <a:solidFill>
                   <a:schemeClr val="bg1"/>
                 </a:solidFill>
                 <a:latin typeface="Arial" panose="020B0604020202020204" pitchFamily="34" charset="0"/>
                 <a:cs typeface="Arial" panose="020B0604020202020204" pitchFamily="34" charset="0"/>
               </a:rPr>
-              <a:t>Conducted from Sept. 15 to Sept 25</a:t>
-            </a:r>
-          </a:p>
-          <a:p>
-            <a:r>
-              <a:rPr lang="en-US" dirty="0">
-                <a:solidFill>
-                  <a:schemeClr val="bg1"/>
-                </a:solidFill>
-                <a:latin typeface="Arial" panose="020B0604020202020204" pitchFamily="34" charset="0"/>
-                <a:cs typeface="Arial" panose="020B0604020202020204" pitchFamily="34" charset="0"/>
-              </a:rPr>
-              <a:t>5,836 respondents matched voter file records by </a:t>
-            </a:r>
-            <a:r>
-              <a:rPr lang="en-US" dirty="0" err="1">
-                <a:solidFill>
-                  <a:schemeClr val="bg1"/>
-                </a:solidFill>
-                <a:latin typeface="Arial" panose="020B0604020202020204" pitchFamily="34" charset="0"/>
-                <a:cs typeface="Arial" panose="020B0604020202020204" pitchFamily="34" charset="0"/>
-              </a:rPr>
-              <a:t>Aristole</a:t>
-            </a:r>
-            <a:endParaRPr lang="en-US" dirty="0">
+            </a:br>
+            <a:endParaRPr lang="en-US" sz="2400" dirty="0">
               <a:solidFill>
                 <a:schemeClr val="bg1"/>
               </a:solidFill>
@@ -16520,125 +16501,30 @@
             </a:endParaRPr>
           </a:p>
           <a:p>
-            <a:r>
-              <a:rPr lang="en-US" dirty="0">
+            <a:pPr marL="457200" indent="-457200">
+              <a:buFont typeface="+mj-lt"/>
+              <a:buAutoNum type="arabicPeriod"/>
+            </a:pPr>
+            <a:r>
+              <a:rPr lang="en-US" b="1" dirty="0">
                 <a:solidFill>
                   <a:schemeClr val="bg1"/>
                 </a:solidFill>
                 <a:latin typeface="Arial" panose="020B0604020202020204" pitchFamily="34" charset="0"/>
                 <a:cs typeface="Arial" panose="020B0604020202020204" pitchFamily="34" charset="0"/>
               </a:rPr>
-              <a:t>119 Features:</a:t>
-            </a:r>
-          </a:p>
-          <a:p>
-            <a:pPr lvl="1"/>
-            <a:r>
-              <a:rPr lang="en-US" dirty="0">
+              <a:t>Can we predict who will vote and who will not vote from demographic and survey data?</a:t>
+            </a:r>
+            <a:br>
+              <a:rPr lang="en-US" b="1" dirty="0">
                 <a:solidFill>
                   <a:schemeClr val="bg1"/>
                 </a:solidFill>
                 <a:latin typeface="Arial" panose="020B0604020202020204" pitchFamily="34" charset="0"/>
                 <a:cs typeface="Arial" panose="020B0604020202020204" pitchFamily="34" charset="0"/>
               </a:rPr>
-              <a:t>Surveyed on 33 topics</a:t>
-            </a:r>
-          </a:p>
-          <a:p>
-            <a:pPr lvl="1"/>
-            <a:r>
-              <a:rPr lang="en-US" dirty="0">
-                <a:solidFill>
-                  <a:schemeClr val="bg1"/>
-                </a:solidFill>
-                <a:latin typeface="Arial" panose="020B0604020202020204" pitchFamily="34" charset="0"/>
-                <a:cs typeface="Arial" panose="020B0604020202020204" pitchFamily="34" charset="0"/>
-              </a:rPr>
-              <a:t>Basic demographic data </a:t>
-            </a:r>
-          </a:p>
-          <a:p>
-            <a:pPr lvl="1"/>
-            <a:r>
-              <a:rPr lang="en-US" dirty="0">
-                <a:solidFill>
-                  <a:schemeClr val="bg1"/>
-                </a:solidFill>
-                <a:latin typeface="Arial" panose="020B0604020202020204" pitchFamily="34" charset="0"/>
-                <a:cs typeface="Arial" panose="020B0604020202020204" pitchFamily="34" charset="0"/>
-              </a:rPr>
-              <a:t>Voter Categories</a:t>
-            </a:r>
-          </a:p>
-          <a:p>
-            <a:pPr lvl="2"/>
-            <a:r>
-              <a:rPr lang="en-US" i="1" dirty="0">
-                <a:solidFill>
-                  <a:schemeClr val="bg1"/>
-                </a:solidFill>
-                <a:latin typeface="Arial" panose="020B0604020202020204" pitchFamily="34" charset="0"/>
-                <a:cs typeface="Arial" panose="020B0604020202020204" pitchFamily="34" charset="0"/>
-              </a:rPr>
-              <a:t>always:</a:t>
-            </a:r>
-            <a:r>
-              <a:rPr lang="en-US" dirty="0">
-                <a:solidFill>
-                  <a:schemeClr val="bg1"/>
-                </a:solidFill>
-                <a:latin typeface="Arial" panose="020B0604020202020204" pitchFamily="34" charset="0"/>
-                <a:cs typeface="Arial" panose="020B0604020202020204" pitchFamily="34" charset="0"/>
-              </a:rPr>
-              <a:t> Voted in all or all-but-one eligible elections</a:t>
-            </a:r>
-          </a:p>
-          <a:p>
-            <a:pPr lvl="2"/>
-            <a:r>
-              <a:rPr lang="en-US" i="1" dirty="0">
-                <a:solidFill>
-                  <a:schemeClr val="bg1"/>
-                </a:solidFill>
-                <a:latin typeface="Arial" panose="020B0604020202020204" pitchFamily="34" charset="0"/>
-                <a:cs typeface="Arial" panose="020B0604020202020204" pitchFamily="34" charset="0"/>
-              </a:rPr>
-              <a:t>sporadic: </a:t>
-            </a:r>
-            <a:r>
-              <a:rPr lang="en-US" dirty="0">
-                <a:solidFill>
-                  <a:schemeClr val="bg1"/>
-                </a:solidFill>
-                <a:latin typeface="Arial" panose="020B0604020202020204" pitchFamily="34" charset="0"/>
-                <a:cs typeface="Arial" panose="020B0604020202020204" pitchFamily="34" charset="0"/>
-              </a:rPr>
-              <a:t>Voted in at least 2, but fewer than all-but-one eligible elections</a:t>
-            </a:r>
-          </a:p>
-          <a:p>
-            <a:pPr lvl="2"/>
-            <a:r>
-              <a:rPr lang="en-US" i="1" dirty="0">
-                <a:solidFill>
-                  <a:schemeClr val="bg1"/>
-                </a:solidFill>
-                <a:latin typeface="Arial" panose="020B0604020202020204" pitchFamily="34" charset="0"/>
-                <a:cs typeface="Arial" panose="020B0604020202020204" pitchFamily="34" charset="0"/>
-              </a:rPr>
-              <a:t>rarely/never: </a:t>
-            </a:r>
-            <a:r>
-              <a:rPr lang="en-US" dirty="0">
-                <a:solidFill>
-                  <a:schemeClr val="bg1"/>
-                </a:solidFill>
-                <a:latin typeface="Arial" panose="020B0604020202020204" pitchFamily="34" charset="0"/>
-                <a:cs typeface="Arial" panose="020B0604020202020204" pitchFamily="34" charset="0"/>
-              </a:rPr>
-              <a:t>Voted in 0 or only 1 eligible election</a:t>
-            </a:r>
-            <a:endParaRPr lang="en-US" i="1" dirty="0">
+            </a:br>
+            <a:endParaRPr lang="en-US" sz="2400" dirty="0">
               <a:solidFill>
                 <a:schemeClr val="bg1"/>
               </a:solidFill>
@@ -16647,8 +16533,7 @@
             </a:endParaRPr>
           </a:p>
           <a:p>
-            <a:pPr lvl="1"/>
-            <a:endParaRPr lang="en-US" dirty="0">
+            <a:endParaRPr lang="en-JP" dirty="0">
               <a:solidFill>
                 <a:schemeClr val="bg1"/>
               </a:solidFill>
@@ -16656,61 +16541,14 @@
               <a:cs typeface="Arial" panose="020B0604020202020204" pitchFamily="34" charset="0"/>
             </a:endParaRPr>
           </a:p>
-          <a:p>
-            <a:pPr lvl="1"/>
-            <a:endParaRPr lang="en-US" dirty="0">
-              <a:solidFill>
-                <a:schemeClr val="bg1"/>
-              </a:solidFill>
-              <a:latin typeface="Arial" panose="020B0604020202020204" pitchFamily="34" charset="0"/>
-              <a:cs typeface="Arial" panose="020B0604020202020204" pitchFamily="34" charset="0"/>
-            </a:endParaRPr>
-          </a:p>
-          <a:p>
-            <a:pPr lvl="1"/>
-            <a:endParaRPr lang="en-US" dirty="0">
-              <a:solidFill>
-                <a:schemeClr val="bg1"/>
-              </a:solidFill>
-              <a:latin typeface="Arial" panose="020B0604020202020204" pitchFamily="34" charset="0"/>
-              <a:cs typeface="Arial" panose="020B0604020202020204" pitchFamily="34" charset="0"/>
-            </a:endParaRPr>
-          </a:p>
-          <a:p>
-            <a:endParaRPr lang="en-US" dirty="0">
-              <a:solidFill>
-                <a:schemeClr val="bg1"/>
-              </a:solidFill>
-              <a:latin typeface="Arial" panose="020B0604020202020204" pitchFamily="34" charset="0"/>
-              <a:cs typeface="Arial" panose="020B0604020202020204" pitchFamily="34" charset="0"/>
-            </a:endParaRPr>
-          </a:p>
-          <a:p>
-            <a:endParaRPr lang="en-US" dirty="0">
-              <a:solidFill>
-                <a:schemeClr val="bg1"/>
-              </a:solidFill>
-              <a:latin typeface="Arial" panose="020B0604020202020204" pitchFamily="34" charset="0"/>
-              <a:cs typeface="Arial" panose="020B0604020202020204" pitchFamily="34" charset="0"/>
-            </a:endParaRPr>
-          </a:p>
-          <a:p>
-            <a:endParaRPr lang="en-US" dirty="0">
-              <a:solidFill>
-                <a:schemeClr val="bg1"/>
-              </a:solidFill>
-              <a:latin typeface="Arial" panose="020B0604020202020204" pitchFamily="34" charset="0"/>
-              <a:cs typeface="Arial" panose="020B0604020202020204" pitchFamily="34" charset="0"/>
-            </a:endParaRPr>
-          </a:p>
         </p:txBody>
       </p:sp>
       <p:sp>
         <p:nvSpPr>
-          <p:cNvPr id="8" name="Slide Number Placeholder 7">
+          <p:cNvPr id="4" name="Slide Number Placeholder 3">
             <a:extLst>
               <a:ext uri="{FF2B5EF4-FFF2-40B4-BE49-F238E27FC236}">
-                <a16:creationId xmlns:a16="http://schemas.microsoft.com/office/drawing/2014/main" id="{3B188E9C-8F21-3648-B9F9-12F2E14FB013}"/>
+                <a16:creationId xmlns:a16="http://schemas.microsoft.com/office/drawing/2014/main" id="{67866147-982A-3A46-8F9A-91CE3943E485}"/>
               </a:ext>
             </a:extLst>
           </p:cNvPr>
@@ -16723,7 +16561,7 @@
         </p:nvSpPr>
         <p:spPr>
           <a:xfrm>
-            <a:off x="11420911" y="6633"/>
+            <a:off x="11420911" y="0"/>
             <a:ext cx="771089" cy="365125"/>
           </a:xfrm>
         </p:spPr>
@@ -16747,91 +16585,10 @@
           </a:p>
         </p:txBody>
       </p:sp>
-      <p:sp>
-        <p:nvSpPr>
-          <p:cNvPr id="10" name="Rectangle 9">
-            <a:extLst>
-              <a:ext uri="{FF2B5EF4-FFF2-40B4-BE49-F238E27FC236}">
-                <a16:creationId xmlns:a16="http://schemas.microsoft.com/office/drawing/2014/main" id="{A5FD71AB-A0D4-0F4A-9717-4E0CDE435B5C}"/>
-              </a:ext>
-            </a:extLst>
-          </p:cNvPr>
-          <p:cNvSpPr/>
-          <p:nvPr/>
-        </p:nvSpPr>
-        <p:spPr>
-          <a:xfrm>
-            <a:off x="5162939" y="6482035"/>
-            <a:ext cx="7029061" cy="369332"/>
-          </a:xfrm>
-          <a:prstGeom prst="rect">
-            <a:avLst/>
-          </a:prstGeom>
-        </p:spPr>
-        <p:txBody>
-          <a:bodyPr wrap="square">
-            <a:spAutoFit/>
-          </a:bodyPr>
-          <a:lstStyle/>
-          <a:p>
-            <a:pPr algn="r"/>
-            <a:r>
-              <a:rPr lang="en-US" dirty="0">
-                <a:solidFill>
-                  <a:schemeClr val="bg1"/>
-                </a:solidFill>
-                <a:latin typeface="Arial" panose="020B0604020202020204" pitchFamily="34" charset="0"/>
-                <a:cs typeface="Arial" panose="020B0604020202020204" pitchFamily="34" charset="0"/>
-              </a:rPr>
-              <a:t>https://</a:t>
-            </a:r>
-            <a:r>
-              <a:rPr lang="en-US" dirty="0" err="1">
-                <a:solidFill>
-                  <a:schemeClr val="bg1"/>
-                </a:solidFill>
-                <a:latin typeface="Arial" panose="020B0604020202020204" pitchFamily="34" charset="0"/>
-                <a:cs typeface="Arial" panose="020B0604020202020204" pitchFamily="34" charset="0"/>
-              </a:rPr>
-              <a:t>github.com</a:t>
-            </a:r>
-            <a:r>
-              <a:rPr lang="en-US" dirty="0">
-                <a:solidFill>
-                  <a:schemeClr val="bg1"/>
-                </a:solidFill>
-                <a:latin typeface="Arial" panose="020B0604020202020204" pitchFamily="34" charset="0"/>
-                <a:cs typeface="Arial" panose="020B0604020202020204" pitchFamily="34" charset="0"/>
-              </a:rPr>
-              <a:t>/</a:t>
-            </a:r>
-            <a:r>
-              <a:rPr lang="en-US" dirty="0" err="1">
-                <a:solidFill>
-                  <a:schemeClr val="bg1"/>
-                </a:solidFill>
-                <a:latin typeface="Arial" panose="020B0604020202020204" pitchFamily="34" charset="0"/>
-                <a:cs typeface="Arial" panose="020B0604020202020204" pitchFamily="34" charset="0"/>
-              </a:rPr>
-              <a:t>fivethirtyeight</a:t>
-            </a:r>
-            <a:r>
-              <a:rPr lang="en-US" dirty="0">
-                <a:solidFill>
-                  <a:schemeClr val="bg1"/>
-                </a:solidFill>
-                <a:latin typeface="Arial" panose="020B0604020202020204" pitchFamily="34" charset="0"/>
-                <a:cs typeface="Arial" panose="020B0604020202020204" pitchFamily="34" charset="0"/>
-              </a:rPr>
-              <a:t>/data/tree/master/non-voters</a:t>
-            </a:r>
-          </a:p>
-        </p:txBody>
-      </p:sp>
     </p:spTree>
     <p:extLst>
       <p:ext uri="{BB962C8B-B14F-4D97-AF65-F5344CB8AC3E}">
-        <p14:creationId xmlns:p14="http://schemas.microsoft.com/office/powerpoint/2010/main" val="3473842984"/>
+        <p14:creationId xmlns:p14="http://schemas.microsoft.com/office/powerpoint/2010/main" val="1122276522"/>
       </p:ext>
     </p:extLst>
   </p:cSld>
@@ -16863,7 +16620,7 @@
           <p:cNvPr id="2" name="Title 1">
             <a:extLst>
               <a:ext uri="{FF2B5EF4-FFF2-40B4-BE49-F238E27FC236}">
-                <a16:creationId xmlns:a16="http://schemas.microsoft.com/office/drawing/2014/main" id="{DEBF3C49-A5BA-8243-81B5-C29E4F4D74D4}"/>
+                <a16:creationId xmlns:a16="http://schemas.microsoft.com/office/drawing/2014/main" id="{E5CC0808-7D64-F34D-95D0-38A3231577EA}"/>
               </a:ext>
             </a:extLst>
           </p:cNvPr>
@@ -16876,7 +16633,9 @@
         </p:nvSpPr>
         <p:spPr/>
         <p:txBody>
-          <a:bodyPr/>
+          <a:bodyPr>
+            <a:normAutofit/>
+          </a:bodyPr>
           <a:lstStyle/>
           <a:p>
             <a:r>
@@ -16884,16 +16643,10 @@
                 <a:solidFill>
                   <a:schemeClr val="bg1"/>
                 </a:solidFill>
-              </a:rPr>
-              <a:t>Q</a:t>
-            </a:r>
-            <a:r>
-              <a:rPr lang="en-JP" dirty="0">
-                <a:solidFill>
-                  <a:schemeClr val="bg1"/>
-                </a:solidFill>
-              </a:rPr>
-              <a:t>uestions</a:t>
+                <a:latin typeface="Arial" panose="020B0604020202020204" pitchFamily="34" charset="0"/>
+                <a:cs typeface="Arial" panose="020B0604020202020204" pitchFamily="34" charset="0"/>
+              </a:rPr>
+              <a:t>FiveThirtyEight- Non-Voters Data</a:t>
             </a:r>
             <a:br>
               <a:rPr lang="en-JP" dirty="0">
@@ -16915,7 +16668,7 @@
           <p:cNvPr id="3" name="Content Placeholder 2">
             <a:extLst>
               <a:ext uri="{FF2B5EF4-FFF2-40B4-BE49-F238E27FC236}">
-                <a16:creationId xmlns:a16="http://schemas.microsoft.com/office/drawing/2014/main" id="{D70EB080-EE09-7D49-BB11-60FC13715F25}"/>
+                <a16:creationId xmlns:a16="http://schemas.microsoft.com/office/drawing/2014/main" id="{B5839046-8C70-BE40-8E00-8D3119552E0B}"/>
               </a:ext>
             </a:extLst>
           </p:cNvPr>
@@ -16928,38 +16681,61 @@
         </p:nvSpPr>
         <p:spPr>
           <a:xfrm>
-            <a:off x="1141413" y="2097088"/>
-            <a:ext cx="9626114" cy="3989995"/>
+            <a:off x="1141413" y="1593237"/>
+            <a:ext cx="9905999" cy="4975514"/>
           </a:xfrm>
         </p:spPr>
         <p:txBody>
-          <a:bodyPr/>
+          <a:bodyPr>
+            <a:normAutofit/>
+          </a:bodyPr>
           <a:lstStyle/>
           <a:p>
-            <a:pPr marL="457200" indent="-457200">
-              <a:buFont typeface="+mj-lt"/>
-              <a:buAutoNum type="arabicPeriod"/>
-            </a:pPr>
-            <a:r>
-              <a:rPr lang="en-US" b="1" dirty="0">
+            <a:r>
+              <a:rPr lang="en-US" dirty="0">
                 <a:solidFill>
                   <a:schemeClr val="bg1"/>
                 </a:solidFill>
                 <a:latin typeface="Arial" panose="020B0604020202020204" pitchFamily="34" charset="0"/>
                 <a:cs typeface="Arial" panose="020B0604020202020204" pitchFamily="34" charset="0"/>
               </a:rPr>
-              <a:t>What features make people decided to vote or not for any given election?</a:t>
-            </a:r>
-            <a:br>
-              <a:rPr lang="en-US" sz="2400" dirty="0">
+              <a:t>Polling done by Ipsos</a:t>
+            </a:r>
+          </a:p>
+          <a:p>
+            <a:r>
+              <a:rPr lang="en-US" dirty="0">
                 <a:solidFill>
                   <a:schemeClr val="bg1"/>
                 </a:solidFill>
                 <a:latin typeface="Arial" panose="020B0604020202020204" pitchFamily="34" charset="0"/>
                 <a:cs typeface="Arial" panose="020B0604020202020204" pitchFamily="34" charset="0"/>
               </a:rPr>
-            </a:br>
-            <a:endParaRPr lang="en-US" sz="2400" dirty="0">
+              <a:t>Conducted from Sept. 15 to Sept 25</a:t>
+            </a:r>
+          </a:p>
+          <a:p>
+            <a:r>
+              <a:rPr lang="en-US" dirty="0">
+                <a:solidFill>
+                  <a:schemeClr val="bg1"/>
+                </a:solidFill>
+                <a:latin typeface="Arial" panose="020B0604020202020204" pitchFamily="34" charset="0"/>
+                <a:cs typeface="Arial" panose="020B0604020202020204" pitchFamily="34" charset="0"/>
+              </a:rPr>
+              <a:t>5,836 respondents matched voter file records by </a:t>
+            </a:r>
+            <a:r>
+              <a:rPr lang="en-US" dirty="0" err="1">
+                <a:solidFill>
+                  <a:schemeClr val="bg1"/>
+                </a:solidFill>
+                <a:latin typeface="Arial" panose="020B0604020202020204" pitchFamily="34" charset="0"/>
+                <a:cs typeface="Arial" panose="020B0604020202020204" pitchFamily="34" charset="0"/>
+              </a:rPr>
+              <a:t>Aristole</a:t>
+            </a:r>
+            <a:endParaRPr lang="en-US" dirty="0">
               <a:solidFill>
                 <a:schemeClr val="bg1"/>
               </a:solidFill>
@@ -16968,30 +16744,125 @@
             </a:endParaRPr>
           </a:p>
           <a:p>
-            <a:pPr marL="457200" indent="-457200">
-              <a:buFont typeface="+mj-lt"/>
-              <a:buAutoNum type="arabicPeriod"/>
-            </a:pPr>
-            <a:r>
-              <a:rPr lang="en-US" b="1" dirty="0">
+            <a:r>
+              <a:rPr lang="en-US" dirty="0">
                 <a:solidFill>
                   <a:schemeClr val="bg1"/>
                 </a:solidFill>
                 <a:latin typeface="Arial" panose="020B0604020202020204" pitchFamily="34" charset="0"/>
                 <a:cs typeface="Arial" panose="020B0604020202020204" pitchFamily="34" charset="0"/>
               </a:rPr>
-              <a:t>Can we predict who will vote and who will not vote from demographic and survey data?</a:t>
-            </a:r>
-            <a:br>
-              <a:rPr lang="en-US" b="1" dirty="0">
+              <a:t>119 Features:</a:t>
+            </a:r>
+          </a:p>
+          <a:p>
+            <a:pPr lvl="1"/>
+            <a:r>
+              <a:rPr lang="en-US" dirty="0">
                 <a:solidFill>
                   <a:schemeClr val="bg1"/>
                 </a:solidFill>
                 <a:latin typeface="Arial" panose="020B0604020202020204" pitchFamily="34" charset="0"/>
                 <a:cs typeface="Arial" panose="020B0604020202020204" pitchFamily="34" charset="0"/>
               </a:rPr>
-            </a:br>
-            <a:endParaRPr lang="en-US" sz="2400" dirty="0">
+              <a:t>Surveyed on 33 topics</a:t>
+            </a:r>
+          </a:p>
+          <a:p>
+            <a:pPr lvl="1"/>
+            <a:r>
+              <a:rPr lang="en-US" dirty="0">
+                <a:solidFill>
+                  <a:schemeClr val="bg1"/>
+                </a:solidFill>
+                <a:latin typeface="Arial" panose="020B0604020202020204" pitchFamily="34" charset="0"/>
+                <a:cs typeface="Arial" panose="020B0604020202020204" pitchFamily="34" charset="0"/>
+              </a:rPr>
+              <a:t>Basic demographic data </a:t>
+            </a:r>
+          </a:p>
+          <a:p>
+            <a:pPr lvl="1"/>
+            <a:r>
+              <a:rPr lang="en-US" dirty="0">
+                <a:solidFill>
+                  <a:schemeClr val="bg1"/>
+                </a:solidFill>
+                <a:latin typeface="Arial" panose="020B0604020202020204" pitchFamily="34" charset="0"/>
+                <a:cs typeface="Arial" panose="020B0604020202020204" pitchFamily="34" charset="0"/>
+              </a:rPr>
+              <a:t>Voter Categories</a:t>
+            </a:r>
+          </a:p>
+          <a:p>
+            <a:pPr lvl="2"/>
+            <a:r>
+              <a:rPr lang="en-US" i="1" dirty="0">
+                <a:solidFill>
+                  <a:schemeClr val="bg1"/>
+                </a:solidFill>
+                <a:latin typeface="Arial" panose="020B0604020202020204" pitchFamily="34" charset="0"/>
+                <a:cs typeface="Arial" panose="020B0604020202020204" pitchFamily="34" charset="0"/>
+              </a:rPr>
+              <a:t>always:</a:t>
+            </a:r>
+            <a:r>
+              <a:rPr lang="en-US" dirty="0">
+                <a:solidFill>
+                  <a:schemeClr val="bg1"/>
+                </a:solidFill>
+                <a:latin typeface="Arial" panose="020B0604020202020204" pitchFamily="34" charset="0"/>
+                <a:cs typeface="Arial" panose="020B0604020202020204" pitchFamily="34" charset="0"/>
+              </a:rPr>
+              <a:t> Voted in all or all-but-one eligible elections</a:t>
+            </a:r>
+          </a:p>
+          <a:p>
+            <a:pPr lvl="2"/>
+            <a:r>
+              <a:rPr lang="en-US" i="1" dirty="0">
+                <a:solidFill>
+                  <a:schemeClr val="bg1"/>
+                </a:solidFill>
+                <a:latin typeface="Arial" panose="020B0604020202020204" pitchFamily="34" charset="0"/>
+                <a:cs typeface="Arial" panose="020B0604020202020204" pitchFamily="34" charset="0"/>
+              </a:rPr>
+              <a:t>sporadic: </a:t>
+            </a:r>
+            <a:r>
+              <a:rPr lang="en-US" dirty="0">
+                <a:solidFill>
+                  <a:schemeClr val="bg1"/>
+                </a:solidFill>
+                <a:latin typeface="Arial" panose="020B0604020202020204" pitchFamily="34" charset="0"/>
+                <a:cs typeface="Arial" panose="020B0604020202020204" pitchFamily="34" charset="0"/>
+              </a:rPr>
+              <a:t>Voted in at least 2, but fewer than all-but-one eligible elections</a:t>
+            </a:r>
+          </a:p>
+          <a:p>
+            <a:pPr lvl="2"/>
+            <a:r>
+              <a:rPr lang="en-US" i="1" dirty="0">
+                <a:solidFill>
+                  <a:schemeClr val="bg1"/>
+                </a:solidFill>
+                <a:latin typeface="Arial" panose="020B0604020202020204" pitchFamily="34" charset="0"/>
+                <a:cs typeface="Arial" panose="020B0604020202020204" pitchFamily="34" charset="0"/>
+              </a:rPr>
+              <a:t>rarely/never: </a:t>
+            </a:r>
+            <a:r>
+              <a:rPr lang="en-US" dirty="0">
+                <a:solidFill>
+                  <a:schemeClr val="bg1"/>
+                </a:solidFill>
+                <a:latin typeface="Arial" panose="020B0604020202020204" pitchFamily="34" charset="0"/>
+                <a:cs typeface="Arial" panose="020B0604020202020204" pitchFamily="34" charset="0"/>
+              </a:rPr>
+              <a:t>Voted in 0 or only 1 eligible election</a:t>
+            </a:r>
+            <a:endParaRPr lang="en-US" i="1" dirty="0">
               <a:solidFill>
                 <a:schemeClr val="bg1"/>
               </a:solidFill>
@@ -17000,7 +16871,8 @@
             </a:endParaRPr>
           </a:p>
           <a:p>
-            <a:endParaRPr lang="en-JP" dirty="0">
+            <a:pPr lvl="1"/>
+            <a:endParaRPr lang="en-US" dirty="0">
               <a:solidFill>
                 <a:schemeClr val="bg1"/>
               </a:solidFill>
@@ -17008,14 +16880,61 @@
               <a:cs typeface="Arial" panose="020B0604020202020204" pitchFamily="34" charset="0"/>
             </a:endParaRPr>
           </a:p>
+          <a:p>
+            <a:pPr lvl="1"/>
+            <a:endParaRPr lang="en-US" dirty="0">
+              <a:solidFill>
+                <a:schemeClr val="bg1"/>
+              </a:solidFill>
+              <a:latin typeface="Arial" panose="020B0604020202020204" pitchFamily="34" charset="0"/>
+              <a:cs typeface="Arial" panose="020B0604020202020204" pitchFamily="34" charset="0"/>
+            </a:endParaRPr>
+          </a:p>
+          <a:p>
+            <a:pPr lvl="1"/>
+            <a:endParaRPr lang="en-US" dirty="0">
+              <a:solidFill>
+                <a:schemeClr val="bg1"/>
+              </a:solidFill>
+              <a:latin typeface="Arial" panose="020B0604020202020204" pitchFamily="34" charset="0"/>
+              <a:cs typeface="Arial" panose="020B0604020202020204" pitchFamily="34" charset="0"/>
+            </a:endParaRPr>
+          </a:p>
+          <a:p>
+            <a:endParaRPr lang="en-US" dirty="0">
+              <a:solidFill>
+                <a:schemeClr val="bg1"/>
+              </a:solidFill>
+              <a:latin typeface="Arial" panose="020B0604020202020204" pitchFamily="34" charset="0"/>
+              <a:cs typeface="Arial" panose="020B0604020202020204" pitchFamily="34" charset="0"/>
+            </a:endParaRPr>
+          </a:p>
+          <a:p>
+            <a:endParaRPr lang="en-US" dirty="0">
+              <a:solidFill>
+                <a:schemeClr val="bg1"/>
+              </a:solidFill>
+              <a:latin typeface="Arial" panose="020B0604020202020204" pitchFamily="34" charset="0"/>
+              <a:cs typeface="Arial" panose="020B0604020202020204" pitchFamily="34" charset="0"/>
+            </a:endParaRPr>
+          </a:p>
+          <a:p>
+            <a:endParaRPr lang="en-US" dirty="0">
+              <a:solidFill>
+                <a:schemeClr val="bg1"/>
+              </a:solidFill>
+              <a:latin typeface="Arial" panose="020B0604020202020204" pitchFamily="34" charset="0"/>
+              <a:cs typeface="Arial" panose="020B0604020202020204" pitchFamily="34" charset="0"/>
+            </a:endParaRPr>
+          </a:p>
         </p:txBody>
       </p:sp>
       <p:sp>
         <p:nvSpPr>
-          <p:cNvPr id="4" name="Slide Number Placeholder 3">
+          <p:cNvPr id="8" name="Slide Number Placeholder 7">
             <a:extLst>
               <a:ext uri="{FF2B5EF4-FFF2-40B4-BE49-F238E27FC236}">
-                <a16:creationId xmlns:a16="http://schemas.microsoft.com/office/drawing/2014/main" id="{67866147-982A-3A46-8F9A-91CE3943E485}"/>
+                <a16:creationId xmlns:a16="http://schemas.microsoft.com/office/drawing/2014/main" id="{3B188E9C-8F21-3648-B9F9-12F2E14FB013}"/>
               </a:ext>
             </a:extLst>
           </p:cNvPr>
@@ -17028,7 +16947,7 @@
         </p:nvSpPr>
         <p:spPr>
           <a:xfrm>
-            <a:off x="11420911" y="0"/>
+            <a:off x="11420911" y="6633"/>
             <a:ext cx="771089" cy="365125"/>
           </a:xfrm>
         </p:spPr>
@@ -17052,10 +16971,91 @@
           </a:p>
         </p:txBody>
       </p:sp>
+      <p:sp>
+        <p:nvSpPr>
+          <p:cNvPr id="10" name="Rectangle 9">
+            <a:extLst>
+              <a:ext uri="{FF2B5EF4-FFF2-40B4-BE49-F238E27FC236}">
+                <a16:creationId xmlns:a16="http://schemas.microsoft.com/office/drawing/2014/main" id="{A5FD71AB-A0D4-0F4A-9717-4E0CDE435B5C}"/>
+              </a:ext>
+            </a:extLst>
+          </p:cNvPr>
+          <p:cNvSpPr/>
+          <p:nvPr/>
+        </p:nvSpPr>
+        <p:spPr>
+          <a:xfrm>
+            <a:off x="5162939" y="6482035"/>
+            <a:ext cx="7029061" cy="369332"/>
+          </a:xfrm>
+          <a:prstGeom prst="rect">
+            <a:avLst/>
+          </a:prstGeom>
+        </p:spPr>
+        <p:txBody>
+          <a:bodyPr wrap="square">
+            <a:spAutoFit/>
+          </a:bodyPr>
+          <a:lstStyle/>
+          <a:p>
+            <a:pPr algn="r"/>
+            <a:r>
+              <a:rPr lang="en-US" dirty="0">
+                <a:solidFill>
+                  <a:schemeClr val="bg1"/>
+                </a:solidFill>
+                <a:latin typeface="Arial" panose="020B0604020202020204" pitchFamily="34" charset="0"/>
+                <a:cs typeface="Arial" panose="020B0604020202020204" pitchFamily="34" charset="0"/>
+              </a:rPr>
+              <a:t>https://</a:t>
+            </a:r>
+            <a:r>
+              <a:rPr lang="en-US" dirty="0" err="1">
+                <a:solidFill>
+                  <a:schemeClr val="bg1"/>
+                </a:solidFill>
+                <a:latin typeface="Arial" panose="020B0604020202020204" pitchFamily="34" charset="0"/>
+                <a:cs typeface="Arial" panose="020B0604020202020204" pitchFamily="34" charset="0"/>
+              </a:rPr>
+              <a:t>github.com</a:t>
+            </a:r>
+            <a:r>
+              <a:rPr lang="en-US" dirty="0">
+                <a:solidFill>
+                  <a:schemeClr val="bg1"/>
+                </a:solidFill>
+                <a:latin typeface="Arial" panose="020B0604020202020204" pitchFamily="34" charset="0"/>
+                <a:cs typeface="Arial" panose="020B0604020202020204" pitchFamily="34" charset="0"/>
+              </a:rPr>
+              <a:t>/</a:t>
+            </a:r>
+            <a:r>
+              <a:rPr lang="en-US" dirty="0" err="1">
+                <a:solidFill>
+                  <a:schemeClr val="bg1"/>
+                </a:solidFill>
+                <a:latin typeface="Arial" panose="020B0604020202020204" pitchFamily="34" charset="0"/>
+                <a:cs typeface="Arial" panose="020B0604020202020204" pitchFamily="34" charset="0"/>
+              </a:rPr>
+              <a:t>fivethirtyeight</a:t>
+            </a:r>
+            <a:r>
+              <a:rPr lang="en-US" dirty="0">
+                <a:solidFill>
+                  <a:schemeClr val="bg1"/>
+                </a:solidFill>
+                <a:latin typeface="Arial" panose="020B0604020202020204" pitchFamily="34" charset="0"/>
+                <a:cs typeface="Arial" panose="020B0604020202020204" pitchFamily="34" charset="0"/>
+              </a:rPr>
+              <a:t>/data/tree/master/non-voters</a:t>
+            </a:r>
+          </a:p>
+        </p:txBody>
+      </p:sp>
     </p:spTree>
     <p:extLst>
       <p:ext uri="{BB962C8B-B14F-4D97-AF65-F5344CB8AC3E}">
-        <p14:creationId xmlns:p14="http://schemas.microsoft.com/office/powerpoint/2010/main" val="1122276522"/>
+        <p14:creationId xmlns:p14="http://schemas.microsoft.com/office/powerpoint/2010/main" val="3473842984"/>
       </p:ext>
     </p:extLst>
   </p:cSld>
